--- a/JavaLecture/LectureFile/java 8강 생성자_정답.pptx
+++ b/JavaLecture/LectureFile/java 8강 생성자_정답.pptx
@@ -5,7 +5,7 @@
     <p:sldMasterId id="2147483648" r:id="rId1"/>
   </p:sldMasterIdLst>
   <p:notesMasterIdLst>
-    <p:notesMasterId r:id="rId25"/>
+    <p:notesMasterId r:id="rId22"/>
   </p:notesMasterIdLst>
   <p:sldIdLst>
     <p:sldId id="257" r:id="rId2"/>
@@ -27,10 +27,7 @@
     <p:sldId id="619" r:id="rId18"/>
     <p:sldId id="620" r:id="rId19"/>
     <p:sldId id="621" r:id="rId20"/>
-    <p:sldId id="607" r:id="rId21"/>
-    <p:sldId id="622" r:id="rId22"/>
-    <p:sldId id="643" r:id="rId23"/>
-    <p:sldId id="275" r:id="rId24"/>
+    <p:sldId id="275" r:id="rId21"/>
   </p:sldIdLst>
   <p:sldSz cx="18288000" cy="10287000"/>
   <p:notesSz cx="7104063" cy="10234613"/>
@@ -230,7 +227,7 @@
           <a:p>
             <a:fld id="{D79F2C30-10E1-4C46-91DC-BBDB9629E720}" type="datetimeFigureOut">
               <a:rPr lang="ko-KR" altLang="en-US" smtClean="0"/>
-              <a:t>2023-11-22 Wednesday</a:t>
+              <a:t>2024-03-25 Monday</a:t>
             </a:fld>
             <a:endParaRPr lang="ko-KR" altLang="en-US"/>
           </a:p>
@@ -690,7 +687,7 @@
           <a:p>
             <a:fld id="{F8166F1F-CE9B-4651-A6AA-CD717754106B}" type="datetimeFigureOut">
               <a:rPr lang="en-US" smtClean="0"/>
-              <a:t>11/22/2023</a:t>
+              <a:t>3/25/2024</a:t>
             </a:fld>
             <a:endParaRPr lang="en-US"/>
           </a:p>
@@ -893,7 +890,7 @@
           <a:p>
             <a:fld id="{A76116CE-C4A3-4A05-B2D7-7C2E9A889C0F}" type="datetimeFigureOut">
               <a:rPr lang="en-US" smtClean="0"/>
-              <a:t>11/22/2023</a:t>
+              <a:t>3/25/2024</a:t>
             </a:fld>
             <a:endParaRPr lang="en-US"/>
           </a:p>
@@ -1096,7 +1093,7 @@
           <a:p>
             <a:fld id="{A76116CE-C4A3-4A05-B2D7-7C2E9A889C0F}" type="datetimeFigureOut">
               <a:rPr lang="en-US" smtClean="0"/>
-              <a:t>11/22/2023</a:t>
+              <a:t>3/25/2024</a:t>
             </a:fld>
             <a:endParaRPr lang="en-US"/>
           </a:p>
@@ -1301,7 +1298,7 @@
           <a:p>
             <a:fld id="{A76116CE-C4A3-4A05-B2D7-7C2E9A889C0F}" type="datetimeFigureOut">
               <a:rPr lang="en-US" smtClean="0"/>
-              <a:t>11/22/2023</a:t>
+              <a:t>3/25/2024</a:t>
             </a:fld>
             <a:endParaRPr lang="en-US"/>
           </a:p>
@@ -1571,7 +1568,7 @@
           <a:p>
             <a:fld id="{A76116CE-C4A3-4A05-B2D7-7C2E9A889C0F}" type="datetimeFigureOut">
               <a:rPr lang="en-US" smtClean="0"/>
-              <a:t>11/22/2023</a:t>
+              <a:t>3/25/2024</a:t>
             </a:fld>
             <a:endParaRPr lang="en-US"/>
           </a:p>
@@ -1889,7 +1886,7 @@
           <a:p>
             <a:fld id="{A76116CE-C4A3-4A05-B2D7-7C2E9A889C0F}" type="datetimeFigureOut">
               <a:rPr lang="en-US" smtClean="0"/>
-              <a:t>11/22/2023</a:t>
+              <a:t>3/25/2024</a:t>
             </a:fld>
             <a:endParaRPr lang="en-US"/>
           </a:p>
@@ -2347,7 +2344,7 @@
           <a:p>
             <a:fld id="{A76116CE-C4A3-4A05-B2D7-7C2E9A889C0F}" type="datetimeFigureOut">
               <a:rPr lang="en-US" smtClean="0"/>
-              <a:t>11/22/2023</a:t>
+              <a:t>3/25/2024</a:t>
             </a:fld>
             <a:endParaRPr lang="en-US"/>
           </a:p>
@@ -2491,7 +2488,7 @@
           <a:p>
             <a:fld id="{A76116CE-C4A3-4A05-B2D7-7C2E9A889C0F}" type="datetimeFigureOut">
               <a:rPr lang="en-US" smtClean="0"/>
-              <a:t>11/22/2023</a:t>
+              <a:t>3/25/2024</a:t>
             </a:fld>
             <a:endParaRPr lang="en-US"/>
           </a:p>
@@ -2605,7 +2602,7 @@
           <a:p>
             <a:fld id="{A76116CE-C4A3-4A05-B2D7-7C2E9A889C0F}" type="datetimeFigureOut">
               <a:rPr lang="en-US" smtClean="0"/>
-              <a:t>11/22/2023</a:t>
+              <a:t>3/25/2024</a:t>
             </a:fld>
             <a:endParaRPr lang="en-US"/>
           </a:p>
@@ -2908,7 +2905,7 @@
           <a:p>
             <a:fld id="{A76116CE-C4A3-4A05-B2D7-7C2E9A889C0F}" type="datetimeFigureOut">
               <a:rPr lang="en-US" smtClean="0"/>
-              <a:t>11/22/2023</a:t>
+              <a:t>3/25/2024</a:t>
             </a:fld>
             <a:endParaRPr lang="en-US"/>
           </a:p>
@@ -3188,7 +3185,7 @@
           <a:p>
             <a:fld id="{A76116CE-C4A3-4A05-B2D7-7C2E9A889C0F}" type="datetimeFigureOut">
               <a:rPr lang="en-US" smtClean="0"/>
-              <a:t>11/22/2023</a:t>
+              <a:t>3/25/2024</a:t>
             </a:fld>
             <a:endParaRPr lang="en-US"/>
           </a:p>
@@ -4139,7 +4136,7 @@
         </p:nvSpPr>
         <p:spPr>
           <a:xfrm>
-            <a:off x="609600" y="342514"/>
+            <a:off x="609600" y="952114"/>
             <a:ext cx="15544800" cy="3108543"/>
           </a:xfrm>
           <a:prstGeom prst="rect">
@@ -4161,7 +4158,7 @@
                 <a:latin typeface="G마켓 산스 Medium" panose="02000000000000000000" pitchFamily="50" charset="-127"/>
                 <a:ea typeface="G마켓 산스 Medium" panose="02000000000000000000" pitchFamily="50" charset="-127"/>
               </a:rPr>
-              <a:t>1-4 Student </a:t>
+              <a:t> Student </a:t>
             </a:r>
             <a:r>
               <a:rPr lang="ko-KR" altLang="en-US" sz="3600" dirty="0">
@@ -4183,16 +4180,13 @@
               </a:rPr>
               <a:t>.</a:t>
             </a:r>
-            <a:r>
-              <a:rPr lang="en-US" altLang="ko-KR" sz="3600" dirty="0">
-                <a:solidFill>
-                  <a:srgbClr val="FF0000"/>
-                </a:solidFill>
-                <a:latin typeface="G마켓 산스 Medium" panose="02000000000000000000" pitchFamily="50" charset="-127"/>
-                <a:ea typeface="G마켓 산스 Medium" panose="02000000000000000000" pitchFamily="50" charset="-127"/>
-              </a:rPr>
-              <a:t>(hard)</a:t>
-            </a:r>
+            <a:endParaRPr lang="en-US" altLang="ko-KR" sz="3600" dirty="0">
+              <a:solidFill>
+                <a:srgbClr val="FF0000"/>
+              </a:solidFill>
+              <a:latin typeface="G마켓 산스 Medium" panose="02000000000000000000" pitchFamily="50" charset="-127"/>
+              <a:ea typeface="G마켓 산스 Medium" panose="02000000000000000000" pitchFamily="50" charset="-127"/>
+            </a:endParaRPr>
           </a:p>
           <a:p>
             <a:pPr marL="571500" indent="-571500">
@@ -4516,7 +4510,7 @@
         </p:blipFill>
         <p:spPr>
           <a:xfrm>
-            <a:off x="304800" y="3314700"/>
+            <a:off x="304800" y="3924300"/>
             <a:ext cx="10268825" cy="6324600"/>
           </a:xfrm>
           <a:prstGeom prst="rect">
@@ -4539,7 +4533,7 @@
         </p:blipFill>
         <p:spPr>
           <a:xfrm>
-            <a:off x="304800" y="6591300"/>
+            <a:off x="304800" y="7200900"/>
             <a:ext cx="10668000" cy="2438400"/>
           </a:xfrm>
           <a:prstGeom prst="rect">
@@ -4563,7 +4557,7 @@
         </p:blipFill>
         <p:spPr>
           <a:xfrm>
-            <a:off x="10287000" y="3481900"/>
+            <a:off x="10287000" y="4091500"/>
             <a:ext cx="7933312" cy="3566600"/>
           </a:xfrm>
           <a:prstGeom prst="rect">
@@ -4571,6 +4565,120 @@
           </a:prstGeom>
         </p:spPr>
       </p:pic>
+      <p:sp>
+        <p:nvSpPr>
+          <p:cNvPr id="2" name="TextBox 1">
+            <a:extLst>
+              <a:ext uri="{FF2B5EF4-FFF2-40B4-BE49-F238E27FC236}">
+                <a16:creationId xmlns:a16="http://schemas.microsoft.com/office/drawing/2014/main" id="{9B6E975E-3A11-DF56-D11F-99ED1AB76343}"/>
+              </a:ext>
+            </a:extLst>
+          </p:cNvPr>
+          <p:cNvSpPr txBox="1"/>
+          <p:nvPr/>
+        </p:nvSpPr>
+        <p:spPr>
+          <a:xfrm>
+            <a:off x="304800" y="114300"/>
+            <a:ext cx="10972800" cy="923330"/>
+          </a:xfrm>
+          <a:prstGeom prst="rect">
+            <a:avLst/>
+          </a:prstGeom>
+          <a:noFill/>
+        </p:spPr>
+        <p:txBody>
+          <a:bodyPr wrap="square" rtlCol="0">
+            <a:spAutoFit/>
+          </a:bodyPr>
+          <a:lstStyle/>
+          <a:p>
+            <a:r>
+              <a:rPr lang="en-US" altLang="ko-KR" sz="5400" spc="-300" dirty="0">
+                <a:solidFill>
+                  <a:srgbClr val="4C50BC"/>
+                </a:solidFill>
+                <a:latin typeface="G마켓 산스 Bold" panose="02000000000000000000" pitchFamily="50" charset="-127"/>
+                <a:ea typeface="G마켓 산스 Bold" panose="02000000000000000000" pitchFamily="50" charset="-127"/>
+              </a:rPr>
+              <a:t>1-4 </a:t>
+            </a:r>
+            <a:r>
+              <a:rPr lang="ko-KR" altLang="en-US" sz="5400" spc="-300" dirty="0">
+                <a:solidFill>
+                  <a:srgbClr val="4C50BC"/>
+                </a:solidFill>
+                <a:latin typeface="G마켓 산스 Bold" panose="02000000000000000000" pitchFamily="50" charset="-127"/>
+                <a:ea typeface="G마켓 산스 Bold" panose="02000000000000000000" pitchFamily="50" charset="-127"/>
+              </a:rPr>
+              <a:t>실습문제</a:t>
+            </a:r>
+            <a:r>
+              <a:rPr lang="en-US" altLang="ko-KR" sz="5400" spc="-300" dirty="0">
+                <a:solidFill>
+                  <a:srgbClr val="4C50BC"/>
+                </a:solidFill>
+                <a:latin typeface="G마켓 산스 Bold" panose="02000000000000000000" pitchFamily="50" charset="-127"/>
+                <a:ea typeface="G마켓 산스 Bold" panose="02000000000000000000" pitchFamily="50" charset="-127"/>
+              </a:rPr>
+              <a:t> </a:t>
+            </a:r>
+            <a:r>
+              <a:rPr lang="en-US" altLang="ko-KR" sz="5400" spc="-300" dirty="0">
+                <a:solidFill>
+                  <a:srgbClr val="FF0000"/>
+                </a:solidFill>
+                <a:latin typeface="G마켓 산스 Bold" panose="02000000000000000000" pitchFamily="50" charset="-127"/>
+                <a:ea typeface="G마켓 산스 Bold" panose="02000000000000000000" pitchFamily="50" charset="-127"/>
+              </a:rPr>
+              <a:t>(hard)</a:t>
+            </a:r>
+          </a:p>
+        </p:txBody>
+      </p:sp>
+      <p:cxnSp>
+        <p:nvCxnSpPr>
+          <p:cNvPr id="3" name="직선 연결선 2">
+            <a:extLst>
+              <a:ext uri="{FF2B5EF4-FFF2-40B4-BE49-F238E27FC236}">
+                <a16:creationId xmlns:a16="http://schemas.microsoft.com/office/drawing/2014/main" id="{95A66410-1608-F09D-23E0-A5E30E7E07C8}"/>
+              </a:ext>
+            </a:extLst>
+          </p:cNvPr>
+          <p:cNvCxnSpPr>
+            <a:cxnSpLocks/>
+          </p:cNvCxnSpPr>
+          <p:nvPr/>
+        </p:nvCxnSpPr>
+        <p:spPr>
+          <a:xfrm flipH="1" flipV="1">
+            <a:off x="-13447" y="972511"/>
+            <a:ext cx="18288000" cy="65119"/>
+          </a:xfrm>
+          <a:prstGeom prst="line">
+            <a:avLst/>
+          </a:prstGeom>
+          <a:ln w="38100">
+            <a:solidFill>
+              <a:srgbClr val="4C50BC"/>
+            </a:solidFill>
+          </a:ln>
+        </p:spPr>
+        <p:style>
+          <a:lnRef idx="1">
+            <a:schemeClr val="accent1"/>
+          </a:lnRef>
+          <a:fillRef idx="0">
+            <a:schemeClr val="accent1"/>
+          </a:fillRef>
+          <a:effectRef idx="0">
+            <a:schemeClr val="accent1"/>
+          </a:effectRef>
+          <a:fontRef idx="minor">
+            <a:schemeClr val="tx1"/>
+          </a:fontRef>
+        </p:style>
+      </p:cxnSp>
     </p:spTree>
     <p:extLst>
       <p:ext uri="{BB962C8B-B14F-4D97-AF65-F5344CB8AC3E}">
@@ -4698,7 +4806,7 @@
         </p:blipFill>
         <p:spPr>
           <a:xfrm>
-            <a:off x="2743200" y="5051661"/>
+            <a:off x="2743200" y="5372100"/>
             <a:ext cx="9440252" cy="4842143"/>
           </a:xfrm>
           <a:prstGeom prst="rect">
@@ -4706,54 +4814,6 @@
           </a:prstGeom>
         </p:spPr>
       </p:pic>
-      <p:sp>
-        <p:nvSpPr>
-          <p:cNvPr id="6" name="TextBox 5">
-            <a:extLst>
-              <a:ext uri="{FF2B5EF4-FFF2-40B4-BE49-F238E27FC236}">
-                <a16:creationId xmlns:a16="http://schemas.microsoft.com/office/drawing/2014/main" id="{A207007B-1BC8-1388-2C31-03C92AE72613}"/>
-              </a:ext>
-            </a:extLst>
-          </p:cNvPr>
-          <p:cNvSpPr txBox="1"/>
-          <p:nvPr/>
-        </p:nvSpPr>
-        <p:spPr>
-          <a:xfrm>
-            <a:off x="609600" y="38100"/>
-            <a:ext cx="1665841" cy="1015663"/>
-          </a:xfrm>
-          <a:prstGeom prst="rect">
-            <a:avLst/>
-          </a:prstGeom>
-          <a:noFill/>
-        </p:spPr>
-        <p:txBody>
-          <a:bodyPr wrap="none" rtlCol="0">
-            <a:spAutoFit/>
-          </a:bodyPr>
-          <a:lstStyle/>
-          <a:p>
-            <a:r>
-              <a:rPr lang="ko-KR" altLang="en-US" sz="6000" dirty="0">
-                <a:solidFill>
-                  <a:srgbClr val="4C50BB"/>
-                </a:solidFill>
-                <a:latin typeface="G마켓 산스 TTF Bold" panose="02000000000000000000" pitchFamily="2" charset="-127"/>
-                <a:ea typeface="G마켓 산스 TTF Bold" panose="02000000000000000000" pitchFamily="2" charset="-127"/>
-              </a:rPr>
-              <a:t>해설</a:t>
-            </a:r>
-            <a:endParaRPr lang="ko-KR" altLang="en-US" sz="800" dirty="0">
-              <a:solidFill>
-                <a:srgbClr val="4C50BB"/>
-              </a:solidFill>
-              <a:latin typeface="G마켓 산스 TTF Bold" panose="02000000000000000000" pitchFamily="2" charset="-127"/>
-              <a:ea typeface="G마켓 산스 TTF Bold" panose="02000000000000000000" pitchFamily="2" charset="-127"/>
-            </a:endParaRPr>
-          </a:p>
-        </p:txBody>
-      </p:sp>
       <p:pic>
         <p:nvPicPr>
           <p:cNvPr id="8" name="그림 7">
@@ -4776,7 +4836,7 @@
         </p:blipFill>
         <p:spPr>
           <a:xfrm>
-            <a:off x="2743200" y="393196"/>
+            <a:off x="2743200" y="1231396"/>
             <a:ext cx="8183775" cy="4369304"/>
           </a:xfrm>
           <a:prstGeom prst="rect">
@@ -4800,7 +4860,7 @@
         </p:nvCxnSpPr>
         <p:spPr>
           <a:xfrm>
-            <a:off x="10363200" y="3162300"/>
+            <a:off x="10363200" y="4000500"/>
             <a:ext cx="1219200" cy="0"/>
           </a:xfrm>
           <a:prstGeom prst="straightConnector1">
@@ -4839,7 +4899,7 @@
         </p:nvSpPr>
         <p:spPr>
           <a:xfrm>
-            <a:off x="7543800" y="2857500"/>
+            <a:off x="7543800" y="3695700"/>
             <a:ext cx="2819400" cy="1219200"/>
           </a:xfrm>
           <a:prstGeom prst="rect">
@@ -4891,7 +4951,7 @@
         </p:nvSpPr>
         <p:spPr>
           <a:xfrm>
-            <a:off x="11658600" y="2857500"/>
+            <a:off x="11658600" y="3695700"/>
             <a:ext cx="6400800" cy="1200329"/>
           </a:xfrm>
           <a:prstGeom prst="rect">
@@ -4954,7 +5014,7 @@
         </p:nvCxnSpPr>
         <p:spPr>
           <a:xfrm>
-            <a:off x="10591800" y="5950275"/>
+            <a:off x="10591800" y="6270714"/>
             <a:ext cx="1219200" cy="0"/>
           </a:xfrm>
           <a:prstGeom prst="straightConnector1">
@@ -4993,7 +5053,7 @@
         </p:nvSpPr>
         <p:spPr>
           <a:xfrm>
-            <a:off x="6934200" y="5645475"/>
+            <a:off x="6934200" y="5965914"/>
             <a:ext cx="3657600" cy="412424"/>
           </a:xfrm>
           <a:prstGeom prst="rect">
@@ -5045,7 +5105,7 @@
         </p:nvSpPr>
         <p:spPr>
           <a:xfrm>
-            <a:off x="11887200" y="5067300"/>
+            <a:off x="11887200" y="5387739"/>
             <a:ext cx="6400800" cy="1754326"/>
           </a:xfrm>
           <a:prstGeom prst="rect">
@@ -5178,7 +5238,7 @@
         </p:nvCxnSpPr>
         <p:spPr>
           <a:xfrm>
-            <a:off x="6629400" y="7277100"/>
+            <a:off x="6629400" y="7597539"/>
             <a:ext cx="3715657" cy="1760992"/>
           </a:xfrm>
           <a:prstGeom prst="straightConnector1">
@@ -5217,7 +5277,7 @@
         </p:nvSpPr>
         <p:spPr>
           <a:xfrm>
-            <a:off x="10421257" y="8155117"/>
+            <a:off x="10421257" y="8475556"/>
             <a:ext cx="6400800" cy="1200329"/>
           </a:xfrm>
           <a:prstGeom prst="rect">
@@ -5270,7 +5330,7 @@
         </p:nvCxnSpPr>
         <p:spPr>
           <a:xfrm>
-            <a:off x="6629400" y="9038092"/>
+            <a:off x="6629400" y="9358531"/>
             <a:ext cx="3868057" cy="152400"/>
           </a:xfrm>
           <a:prstGeom prst="straightConnector1">
@@ -5289,6 +5349,120 @@
           </a:fillRef>
           <a:effectRef idx="0">
             <a:schemeClr val="accent2"/>
+          </a:effectRef>
+          <a:fontRef idx="minor">
+            <a:schemeClr val="tx1"/>
+          </a:fontRef>
+        </p:style>
+      </p:cxnSp>
+      <p:sp>
+        <p:nvSpPr>
+          <p:cNvPr id="4" name="TextBox 3">
+            <a:extLst>
+              <a:ext uri="{FF2B5EF4-FFF2-40B4-BE49-F238E27FC236}">
+                <a16:creationId xmlns:a16="http://schemas.microsoft.com/office/drawing/2014/main" id="{579A7EEA-C383-9C03-B6C4-60700E071349}"/>
+              </a:ext>
+            </a:extLst>
+          </p:cNvPr>
+          <p:cNvSpPr txBox="1"/>
+          <p:nvPr/>
+        </p:nvSpPr>
+        <p:spPr>
+          <a:xfrm>
+            <a:off x="304800" y="114300"/>
+            <a:ext cx="10972800" cy="923330"/>
+          </a:xfrm>
+          <a:prstGeom prst="rect">
+            <a:avLst/>
+          </a:prstGeom>
+          <a:noFill/>
+        </p:spPr>
+        <p:txBody>
+          <a:bodyPr wrap="square" rtlCol="0">
+            <a:spAutoFit/>
+          </a:bodyPr>
+          <a:lstStyle/>
+          <a:p>
+            <a:r>
+              <a:rPr lang="en-US" altLang="ko-KR" sz="5400" spc="-300" dirty="0">
+                <a:solidFill>
+                  <a:srgbClr val="4C50BC"/>
+                </a:solidFill>
+                <a:latin typeface="G마켓 산스 Bold" panose="02000000000000000000" pitchFamily="50" charset="-127"/>
+                <a:ea typeface="G마켓 산스 Bold" panose="02000000000000000000" pitchFamily="50" charset="-127"/>
+              </a:rPr>
+              <a:t>1-4 </a:t>
+            </a:r>
+            <a:r>
+              <a:rPr lang="ko-KR" altLang="en-US" sz="5400" spc="-300" dirty="0">
+                <a:solidFill>
+                  <a:srgbClr val="4C50BC"/>
+                </a:solidFill>
+                <a:latin typeface="G마켓 산스 Bold" panose="02000000000000000000" pitchFamily="50" charset="-127"/>
+                <a:ea typeface="G마켓 산스 Bold" panose="02000000000000000000" pitchFamily="50" charset="-127"/>
+              </a:rPr>
+              <a:t>문제풀이</a:t>
+            </a:r>
+            <a:r>
+              <a:rPr lang="en-US" altLang="ko-KR" sz="5400" spc="-300" dirty="0">
+                <a:solidFill>
+                  <a:srgbClr val="4C50BC"/>
+                </a:solidFill>
+                <a:latin typeface="G마켓 산스 Bold" panose="02000000000000000000" pitchFamily="50" charset="-127"/>
+                <a:ea typeface="G마켓 산스 Bold" panose="02000000000000000000" pitchFamily="50" charset="-127"/>
+              </a:rPr>
+              <a:t> </a:t>
+            </a:r>
+            <a:r>
+              <a:rPr lang="en-US" altLang="ko-KR" sz="5400" spc="-300" dirty="0">
+                <a:solidFill>
+                  <a:srgbClr val="FF0000"/>
+                </a:solidFill>
+                <a:latin typeface="G마켓 산스 Bold" panose="02000000000000000000" pitchFamily="50" charset="-127"/>
+                <a:ea typeface="G마켓 산스 Bold" panose="02000000000000000000" pitchFamily="50" charset="-127"/>
+              </a:rPr>
+              <a:t>(hard)</a:t>
+            </a:r>
+          </a:p>
+        </p:txBody>
+      </p:sp>
+      <p:cxnSp>
+        <p:nvCxnSpPr>
+          <p:cNvPr id="7" name="직선 연결선 6">
+            <a:extLst>
+              <a:ext uri="{FF2B5EF4-FFF2-40B4-BE49-F238E27FC236}">
+                <a16:creationId xmlns:a16="http://schemas.microsoft.com/office/drawing/2014/main" id="{327C34ED-EB88-1651-2C8A-028948ECA376}"/>
+              </a:ext>
+            </a:extLst>
+          </p:cNvPr>
+          <p:cNvCxnSpPr>
+            <a:cxnSpLocks/>
+          </p:cNvCxnSpPr>
+          <p:nvPr/>
+        </p:nvCxnSpPr>
+        <p:spPr>
+          <a:xfrm flipH="1" flipV="1">
+            <a:off x="-13447" y="972511"/>
+            <a:ext cx="18288000" cy="65119"/>
+          </a:xfrm>
+          <a:prstGeom prst="line">
+            <a:avLst/>
+          </a:prstGeom>
+          <a:ln w="38100">
+            <a:solidFill>
+              <a:srgbClr val="4C50BC"/>
+            </a:solidFill>
+          </a:ln>
+        </p:spPr>
+        <p:style>
+          <a:lnRef idx="1">
+            <a:schemeClr val="accent1"/>
+          </a:lnRef>
+          <a:fillRef idx="0">
+            <a:schemeClr val="accent1"/>
+          </a:fillRef>
+          <a:effectRef idx="0">
+            <a:schemeClr val="accent1"/>
           </a:effectRef>
           <a:fontRef idx="minor">
             <a:schemeClr val="tx1"/>
@@ -5339,7 +5513,7 @@
         </p:nvSpPr>
         <p:spPr>
           <a:xfrm>
-            <a:off x="609600" y="342900"/>
+            <a:off x="609600" y="952500"/>
             <a:ext cx="15544800" cy="2308324"/>
           </a:xfrm>
           <a:prstGeom prst="rect">
@@ -5361,7 +5535,7 @@
                 <a:latin typeface="G마켓 산스 Medium" panose="02000000000000000000" pitchFamily="50" charset="-127"/>
                 <a:ea typeface="G마켓 산스 Medium" panose="02000000000000000000" pitchFamily="50" charset="-127"/>
               </a:rPr>
-              <a:t>1-5 Student </a:t>
+              <a:t>Student </a:t>
             </a:r>
             <a:r>
               <a:rPr lang="ko-KR" altLang="en-US" sz="3600" dirty="0">
@@ -5383,16 +5557,13 @@
               </a:rPr>
               <a:t>.</a:t>
             </a:r>
-            <a:r>
-              <a:rPr lang="en-US" altLang="ko-KR" sz="3600" dirty="0">
-                <a:solidFill>
-                  <a:srgbClr val="FF0000"/>
-                </a:solidFill>
-                <a:latin typeface="G마켓 산스 Medium" panose="02000000000000000000" pitchFamily="50" charset="-127"/>
-                <a:ea typeface="G마켓 산스 Medium" panose="02000000000000000000" pitchFamily="50" charset="-127"/>
-              </a:rPr>
-              <a:t>(expert)</a:t>
-            </a:r>
+            <a:endParaRPr lang="en-US" altLang="ko-KR" sz="3600" dirty="0">
+              <a:solidFill>
+                <a:srgbClr val="FF0000"/>
+              </a:solidFill>
+              <a:latin typeface="G마켓 산스 Medium" panose="02000000000000000000" pitchFamily="50" charset="-127"/>
+              <a:ea typeface="G마켓 산스 Medium" panose="02000000000000000000" pitchFamily="50" charset="-127"/>
+            </a:endParaRPr>
           </a:p>
           <a:p>
             <a:pPr marL="571500" indent="-571500">
@@ -5572,7 +5743,7 @@
         </p:blipFill>
         <p:spPr>
           <a:xfrm>
-            <a:off x="533399" y="2651224"/>
+            <a:off x="533399" y="3260824"/>
             <a:ext cx="9134021" cy="6988076"/>
           </a:xfrm>
           <a:prstGeom prst="rect">
@@ -5607,7 +5778,7 @@
         </p:blipFill>
         <p:spPr>
           <a:xfrm>
-            <a:off x="533400" y="4991100"/>
+            <a:off x="533400" y="5600700"/>
             <a:ext cx="9448800" cy="2362200"/>
           </a:xfrm>
           <a:prstGeom prst="rect">
@@ -5629,7 +5800,7 @@
         </p:nvSpPr>
         <p:spPr>
           <a:xfrm>
-            <a:off x="990600" y="5676900"/>
+            <a:off x="990600" y="6286500"/>
             <a:ext cx="6400800" cy="646331"/>
           </a:xfrm>
           <a:prstGeom prst="rect">
@@ -5699,7 +5870,7 @@
         </p:blipFill>
         <p:spPr>
           <a:xfrm>
-            <a:off x="9829800" y="2727424"/>
+            <a:off x="9829800" y="3337024"/>
             <a:ext cx="8417994" cy="4473476"/>
           </a:xfrm>
           <a:prstGeom prst="rect">
@@ -5707,6 +5878,120 @@
           </a:prstGeom>
         </p:spPr>
       </p:pic>
+      <p:sp>
+        <p:nvSpPr>
+          <p:cNvPr id="2" name="TextBox 1">
+            <a:extLst>
+              <a:ext uri="{FF2B5EF4-FFF2-40B4-BE49-F238E27FC236}">
+                <a16:creationId xmlns:a16="http://schemas.microsoft.com/office/drawing/2014/main" id="{0DD3EEE9-F7BA-559B-2132-0C2F15281684}"/>
+              </a:ext>
+            </a:extLst>
+          </p:cNvPr>
+          <p:cNvSpPr txBox="1"/>
+          <p:nvPr/>
+        </p:nvSpPr>
+        <p:spPr>
+          <a:xfrm>
+            <a:off x="304800" y="114300"/>
+            <a:ext cx="10972800" cy="923330"/>
+          </a:xfrm>
+          <a:prstGeom prst="rect">
+            <a:avLst/>
+          </a:prstGeom>
+          <a:noFill/>
+        </p:spPr>
+        <p:txBody>
+          <a:bodyPr wrap="square" rtlCol="0">
+            <a:spAutoFit/>
+          </a:bodyPr>
+          <a:lstStyle/>
+          <a:p>
+            <a:r>
+              <a:rPr lang="en-US" altLang="ko-KR" sz="5400" spc="-300" dirty="0">
+                <a:solidFill>
+                  <a:srgbClr val="4C50BC"/>
+                </a:solidFill>
+                <a:latin typeface="G마켓 산스 Bold" panose="02000000000000000000" pitchFamily="50" charset="-127"/>
+                <a:ea typeface="G마켓 산스 Bold" panose="02000000000000000000" pitchFamily="50" charset="-127"/>
+              </a:rPr>
+              <a:t>1-5 </a:t>
+            </a:r>
+            <a:r>
+              <a:rPr lang="ko-KR" altLang="en-US" sz="5400" spc="-300" dirty="0">
+                <a:solidFill>
+                  <a:srgbClr val="4C50BC"/>
+                </a:solidFill>
+                <a:latin typeface="G마켓 산스 Bold" panose="02000000000000000000" pitchFamily="50" charset="-127"/>
+                <a:ea typeface="G마켓 산스 Bold" panose="02000000000000000000" pitchFamily="50" charset="-127"/>
+              </a:rPr>
+              <a:t>실습문제</a:t>
+            </a:r>
+            <a:r>
+              <a:rPr lang="en-US" altLang="ko-KR" sz="5400" spc="-300" dirty="0">
+                <a:solidFill>
+                  <a:srgbClr val="4C50BC"/>
+                </a:solidFill>
+                <a:latin typeface="G마켓 산스 Bold" panose="02000000000000000000" pitchFamily="50" charset="-127"/>
+                <a:ea typeface="G마켓 산스 Bold" panose="02000000000000000000" pitchFamily="50" charset="-127"/>
+              </a:rPr>
+              <a:t> </a:t>
+            </a:r>
+            <a:r>
+              <a:rPr lang="en-US" altLang="ko-KR" sz="5400" spc="-300" dirty="0">
+                <a:solidFill>
+                  <a:srgbClr val="FF0000"/>
+                </a:solidFill>
+                <a:latin typeface="G마켓 산스 Bold" panose="02000000000000000000" pitchFamily="50" charset="-127"/>
+                <a:ea typeface="G마켓 산스 Bold" panose="02000000000000000000" pitchFamily="50" charset="-127"/>
+              </a:rPr>
+              <a:t>(expert)</a:t>
+            </a:r>
+          </a:p>
+        </p:txBody>
+      </p:sp>
+      <p:cxnSp>
+        <p:nvCxnSpPr>
+          <p:cNvPr id="3" name="직선 연결선 2">
+            <a:extLst>
+              <a:ext uri="{FF2B5EF4-FFF2-40B4-BE49-F238E27FC236}">
+                <a16:creationId xmlns:a16="http://schemas.microsoft.com/office/drawing/2014/main" id="{B6C45DB6-12F6-20AB-9127-18EA7A9F44C9}"/>
+              </a:ext>
+            </a:extLst>
+          </p:cNvPr>
+          <p:cNvCxnSpPr>
+            <a:cxnSpLocks/>
+          </p:cNvCxnSpPr>
+          <p:nvPr/>
+        </p:nvCxnSpPr>
+        <p:spPr>
+          <a:xfrm flipH="1" flipV="1">
+            <a:off x="-13447" y="972511"/>
+            <a:ext cx="18288000" cy="65119"/>
+          </a:xfrm>
+          <a:prstGeom prst="line">
+            <a:avLst/>
+          </a:prstGeom>
+          <a:ln w="38100">
+            <a:solidFill>
+              <a:srgbClr val="4C50BC"/>
+            </a:solidFill>
+          </a:ln>
+        </p:spPr>
+        <p:style>
+          <a:lnRef idx="1">
+            <a:schemeClr val="accent1"/>
+          </a:lnRef>
+          <a:fillRef idx="0">
+            <a:schemeClr val="accent1"/>
+          </a:fillRef>
+          <a:effectRef idx="0">
+            <a:schemeClr val="accent1"/>
+          </a:effectRef>
+          <a:fontRef idx="minor">
+            <a:schemeClr val="tx1"/>
+          </a:fontRef>
+        </p:style>
+      </p:cxnSp>
     </p:spTree>
     <p:extLst>
       <p:ext uri="{BB962C8B-B14F-4D97-AF65-F5344CB8AC3E}">
@@ -5866,54 +6151,6 @@
           </a:prstGeom>
         </p:spPr>
       </p:pic>
-      <p:sp>
-        <p:nvSpPr>
-          <p:cNvPr id="2" name="TextBox 1">
-            <a:extLst>
-              <a:ext uri="{FF2B5EF4-FFF2-40B4-BE49-F238E27FC236}">
-                <a16:creationId xmlns:a16="http://schemas.microsoft.com/office/drawing/2014/main" id="{B2A0685E-724F-91EF-7A2D-DEBCA22BC99F}"/>
-              </a:ext>
-            </a:extLst>
-          </p:cNvPr>
-          <p:cNvSpPr txBox="1"/>
-          <p:nvPr/>
-        </p:nvSpPr>
-        <p:spPr>
-          <a:xfrm>
-            <a:off x="609600" y="165437"/>
-            <a:ext cx="1665841" cy="1015663"/>
-          </a:xfrm>
-          <a:prstGeom prst="rect">
-            <a:avLst/>
-          </a:prstGeom>
-          <a:noFill/>
-        </p:spPr>
-        <p:txBody>
-          <a:bodyPr wrap="none" rtlCol="0">
-            <a:spAutoFit/>
-          </a:bodyPr>
-          <a:lstStyle/>
-          <a:p>
-            <a:r>
-              <a:rPr lang="ko-KR" altLang="en-US" sz="6000" dirty="0">
-                <a:solidFill>
-                  <a:srgbClr val="4C50BB"/>
-                </a:solidFill>
-                <a:latin typeface="G마켓 산스 TTF Bold" panose="02000000000000000000" pitchFamily="2" charset="-127"/>
-                <a:ea typeface="G마켓 산스 TTF Bold" panose="02000000000000000000" pitchFamily="2" charset="-127"/>
-              </a:rPr>
-              <a:t>해설</a:t>
-            </a:r>
-            <a:endParaRPr lang="ko-KR" altLang="en-US" sz="800" dirty="0">
-              <a:solidFill>
-                <a:srgbClr val="4C50BB"/>
-              </a:solidFill>
-              <a:latin typeface="G마켓 산스 TTF Bold" panose="02000000000000000000" pitchFamily="2" charset="-127"/>
-              <a:ea typeface="G마켓 산스 TTF Bold" panose="02000000000000000000" pitchFamily="2" charset="-127"/>
-            </a:endParaRPr>
-          </a:p>
-        </p:txBody>
-      </p:sp>
       <p:cxnSp>
         <p:nvCxnSpPr>
           <p:cNvPr id="5" name="직선 화살표 연결선 4">
@@ -5929,9 +6166,9 @@
           <p:nvPr/>
         </p:nvCxnSpPr>
         <p:spPr>
-          <a:xfrm flipV="1">
-            <a:off x="1970641" y="673268"/>
-            <a:ext cx="3744359" cy="645216"/>
+          <a:xfrm>
+            <a:off x="2275441" y="1870748"/>
+            <a:ext cx="5154059" cy="450067"/>
           </a:xfrm>
           <a:prstGeom prst="straightConnector1">
             <a:avLst/>
@@ -5969,8 +6206,8 @@
         </p:nvSpPr>
         <p:spPr>
           <a:xfrm>
-            <a:off x="5867400" y="56971"/>
-            <a:ext cx="10058400" cy="1200329"/>
+            <a:off x="7467600" y="1870748"/>
+            <a:ext cx="10515600" cy="830997"/>
           </a:xfrm>
           <a:prstGeom prst="rect">
             <a:avLst/>
@@ -5984,7 +6221,7 @@
           <a:lstStyle/>
           <a:p>
             <a:r>
-              <a:rPr lang="en-US" altLang="ko-KR" sz="2400">
+              <a:rPr lang="en-US" altLang="ko-KR" sz="2400" dirty="0" err="1">
                 <a:solidFill>
                   <a:srgbClr val="FF0000"/>
                 </a:solidFill>
@@ -5994,7 +6231,7 @@
               <a:t>getMinAvg</a:t>
             </a:r>
             <a:r>
-              <a:rPr lang="ko-KR" altLang="en-US" sz="2400">
+              <a:rPr lang="ko-KR" altLang="en-US" sz="2400" dirty="0">
                 <a:solidFill>
                   <a:srgbClr val="FF0000"/>
                 </a:solidFill>
@@ -6004,7 +6241,7 @@
               <a:t>메서드는 특정 객체의 기능이 아니라 </a:t>
             </a:r>
             <a:r>
-              <a:rPr lang="en-US" altLang="ko-KR" sz="2400">
+              <a:rPr lang="en-US" altLang="ko-KR" sz="2400" dirty="0">
                 <a:solidFill>
                   <a:srgbClr val="FF0000"/>
                 </a:solidFill>
@@ -6014,7 +6251,7 @@
               <a:t>Student</a:t>
             </a:r>
             <a:r>
-              <a:rPr lang="ko-KR" altLang="en-US" sz="2400">
+              <a:rPr lang="ko-KR" altLang="en-US" sz="2400" dirty="0">
                 <a:solidFill>
                   <a:srgbClr val="FF0000"/>
                 </a:solidFill>
@@ -6024,7 +6261,7 @@
               <a:t>객체의 공통적인 기능이다</a:t>
             </a:r>
             <a:r>
-              <a:rPr lang="en-US" altLang="ko-KR" sz="2400">
+              <a:rPr lang="en-US" altLang="ko-KR" sz="2400" dirty="0">
                 <a:solidFill>
                   <a:srgbClr val="FF0000"/>
                 </a:solidFill>
@@ -6034,27 +6271,47 @@
               <a:t>. </a:t>
             </a:r>
             <a:r>
-              <a:rPr lang="ko-KR" altLang="en-US" sz="2400">
+              <a:rPr lang="ko-KR" altLang="en-US" sz="2400" dirty="0">
                 <a:solidFill>
                   <a:srgbClr val="FF0000"/>
                 </a:solidFill>
                 <a:latin typeface="G마켓 산스 Medium" panose="02000000000000000000" pitchFamily="50" charset="-127"/>
                 <a:ea typeface="G마켓 산스 Medium" panose="02000000000000000000" pitchFamily="50" charset="-127"/>
               </a:rPr>
-              <a:t>따라서 객체 생성없이 사용가능하도록 </a:t>
-            </a:r>
-            <a:r>
-              <a:rPr lang="en-US" altLang="ko-KR" sz="2400">
+              <a:t>따라서 객체 생성 없이 </a:t>
+            </a:r>
+            <a:r>
+              <a:rPr lang="ko-KR" altLang="en-US" sz="2400" dirty="0" err="1">
                 <a:solidFill>
                   <a:srgbClr val="FF0000"/>
                 </a:solidFill>
                 <a:latin typeface="G마켓 산스 Medium" panose="02000000000000000000" pitchFamily="50" charset="-127"/>
                 <a:ea typeface="G마켓 산스 Medium" panose="02000000000000000000" pitchFamily="50" charset="-127"/>
               </a:rPr>
+              <a:t>사용가능하도록</a:t>
+            </a:r>
+            <a:r>
+              <a:rPr lang="ko-KR" altLang="en-US" sz="2400" dirty="0">
+                <a:solidFill>
+                  <a:srgbClr val="FF0000"/>
+                </a:solidFill>
+                <a:latin typeface="G마켓 산스 Medium" panose="02000000000000000000" pitchFamily="50" charset="-127"/>
+                <a:ea typeface="G마켓 산스 Medium" panose="02000000000000000000" pitchFamily="50" charset="-127"/>
+              </a:rPr>
+              <a:t> </a:t>
+            </a:r>
+            <a:r>
+              <a:rPr lang="en-US" altLang="ko-KR" sz="2400" dirty="0">
+                <a:solidFill>
+                  <a:srgbClr val="FF0000"/>
+                </a:solidFill>
+                <a:latin typeface="G마켓 산스 Medium" panose="02000000000000000000" pitchFamily="50" charset="-127"/>
+                <a:ea typeface="G마켓 산스 Medium" panose="02000000000000000000" pitchFamily="50" charset="-127"/>
+              </a:rPr>
               <a:t>static </a:t>
             </a:r>
             <a:r>
-              <a:rPr lang="ko-KR" altLang="en-US" sz="2400">
+              <a:rPr lang="ko-KR" altLang="en-US" sz="2400" dirty="0">
                 <a:solidFill>
                   <a:srgbClr val="FF0000"/>
                 </a:solidFill>
@@ -6064,7 +6321,7 @@
               <a:t>메서드로 만든다</a:t>
             </a:r>
             <a:r>
-              <a:rPr lang="en-US" altLang="ko-KR" sz="2400">
+              <a:rPr lang="en-US" altLang="ko-KR" sz="2400" dirty="0">
                 <a:solidFill>
                   <a:srgbClr val="FF0000"/>
                 </a:solidFill>
@@ -6073,13 +6330,6 @@
               </a:rPr>
               <a:t>.</a:t>
             </a:r>
-            <a:endParaRPr lang="en-US" altLang="ko-KR" sz="2400" dirty="0">
-              <a:solidFill>
-                <a:srgbClr val="FF0000"/>
-              </a:solidFill>
-              <a:latin typeface="G마켓 산스 Medium" panose="02000000000000000000" pitchFamily="50" charset="-127"/>
-              <a:ea typeface="G마켓 산스 Medium" panose="02000000000000000000" pitchFamily="50" charset="-127"/>
-            </a:endParaRPr>
           </a:p>
         </p:txBody>
       </p:sp>
@@ -6491,6 +6741,120 @@
           </a:p>
         </p:txBody>
       </p:sp>
+      <p:sp>
+        <p:nvSpPr>
+          <p:cNvPr id="12" name="TextBox 11">
+            <a:extLst>
+              <a:ext uri="{FF2B5EF4-FFF2-40B4-BE49-F238E27FC236}">
+                <a16:creationId xmlns:a16="http://schemas.microsoft.com/office/drawing/2014/main" id="{B28DCB58-D78E-0DB4-02DF-B5F3AF57E15D}"/>
+              </a:ext>
+            </a:extLst>
+          </p:cNvPr>
+          <p:cNvSpPr txBox="1"/>
+          <p:nvPr/>
+        </p:nvSpPr>
+        <p:spPr>
+          <a:xfrm>
+            <a:off x="304800" y="114300"/>
+            <a:ext cx="10972800" cy="923330"/>
+          </a:xfrm>
+          <a:prstGeom prst="rect">
+            <a:avLst/>
+          </a:prstGeom>
+          <a:noFill/>
+        </p:spPr>
+        <p:txBody>
+          <a:bodyPr wrap="square" rtlCol="0">
+            <a:spAutoFit/>
+          </a:bodyPr>
+          <a:lstStyle/>
+          <a:p>
+            <a:r>
+              <a:rPr lang="en-US" altLang="ko-KR" sz="5400" spc="-300" dirty="0">
+                <a:solidFill>
+                  <a:srgbClr val="4C50BC"/>
+                </a:solidFill>
+                <a:latin typeface="G마켓 산스 Bold" panose="02000000000000000000" pitchFamily="50" charset="-127"/>
+                <a:ea typeface="G마켓 산스 Bold" panose="02000000000000000000" pitchFamily="50" charset="-127"/>
+              </a:rPr>
+              <a:t>1-5 </a:t>
+            </a:r>
+            <a:r>
+              <a:rPr lang="ko-KR" altLang="en-US" sz="5400" spc="-300" dirty="0">
+                <a:solidFill>
+                  <a:srgbClr val="4C50BC"/>
+                </a:solidFill>
+                <a:latin typeface="G마켓 산스 Bold" panose="02000000000000000000" pitchFamily="50" charset="-127"/>
+                <a:ea typeface="G마켓 산스 Bold" panose="02000000000000000000" pitchFamily="50" charset="-127"/>
+              </a:rPr>
+              <a:t>문제풀이</a:t>
+            </a:r>
+            <a:r>
+              <a:rPr lang="en-US" altLang="ko-KR" sz="5400" spc="-300" dirty="0">
+                <a:solidFill>
+                  <a:srgbClr val="4C50BC"/>
+                </a:solidFill>
+                <a:latin typeface="G마켓 산스 Bold" panose="02000000000000000000" pitchFamily="50" charset="-127"/>
+                <a:ea typeface="G마켓 산스 Bold" panose="02000000000000000000" pitchFamily="50" charset="-127"/>
+              </a:rPr>
+              <a:t> </a:t>
+            </a:r>
+            <a:r>
+              <a:rPr lang="en-US" altLang="ko-KR" sz="5400" spc="-300" dirty="0">
+                <a:solidFill>
+                  <a:srgbClr val="FF0000"/>
+                </a:solidFill>
+                <a:latin typeface="G마켓 산스 Bold" panose="02000000000000000000" pitchFamily="50" charset="-127"/>
+                <a:ea typeface="G마켓 산스 Bold" panose="02000000000000000000" pitchFamily="50" charset="-127"/>
+              </a:rPr>
+              <a:t>(expert)</a:t>
+            </a:r>
+          </a:p>
+        </p:txBody>
+      </p:sp>
+      <p:cxnSp>
+        <p:nvCxnSpPr>
+          <p:cNvPr id="13" name="직선 연결선 12">
+            <a:extLst>
+              <a:ext uri="{FF2B5EF4-FFF2-40B4-BE49-F238E27FC236}">
+                <a16:creationId xmlns:a16="http://schemas.microsoft.com/office/drawing/2014/main" id="{566C556C-47D2-CE98-F30D-36692C8304B1}"/>
+              </a:ext>
+            </a:extLst>
+          </p:cNvPr>
+          <p:cNvCxnSpPr>
+            <a:cxnSpLocks/>
+          </p:cNvCxnSpPr>
+          <p:nvPr/>
+        </p:nvCxnSpPr>
+        <p:spPr>
+          <a:xfrm flipH="1" flipV="1">
+            <a:off x="-13447" y="972511"/>
+            <a:ext cx="18288000" cy="65119"/>
+          </a:xfrm>
+          <a:prstGeom prst="line">
+            <a:avLst/>
+          </a:prstGeom>
+          <a:ln w="38100">
+            <a:solidFill>
+              <a:srgbClr val="4C50BC"/>
+            </a:solidFill>
+          </a:ln>
+        </p:spPr>
+        <p:style>
+          <a:lnRef idx="1">
+            <a:schemeClr val="accent1"/>
+          </a:lnRef>
+          <a:fillRef idx="0">
+            <a:schemeClr val="accent1"/>
+          </a:fillRef>
+          <a:effectRef idx="0">
+            <a:schemeClr val="accent1"/>
+          </a:effectRef>
+          <a:fontRef idx="minor">
+            <a:schemeClr val="tx1"/>
+          </a:fontRef>
+        </p:style>
+      </p:cxnSp>
     </p:spTree>
     <p:extLst>
       <p:ext uri="{BB962C8B-B14F-4D97-AF65-F5344CB8AC3E}">
@@ -6535,7 +6899,7 @@
         </p:nvSpPr>
         <p:spPr>
           <a:xfrm>
-            <a:off x="609600" y="342900"/>
+            <a:off x="609600" y="1155054"/>
             <a:ext cx="17145000" cy="5632311"/>
           </a:xfrm>
           <a:prstGeom prst="rect">
@@ -6550,14 +6914,24 @@
           <a:lstStyle/>
           <a:p>
             <a:r>
-              <a:rPr lang="en-US" altLang="ko-KR" sz="3600">
+              <a:rPr lang="en-US" altLang="ko-KR" sz="3600" dirty="0">
                 <a:solidFill>
                   <a:srgbClr val="4C50BC"/>
                 </a:solidFill>
                 <a:latin typeface="G마켓 산스 Medium" panose="02000000000000000000" pitchFamily="50" charset="-127"/>
                 <a:ea typeface="G마켓 산스 Medium" panose="02000000000000000000" pitchFamily="50" charset="-127"/>
               </a:rPr>
-              <a:t>1-6 </a:t>
+              <a:t>Student </a:t>
+            </a:r>
+            <a:r>
+              <a:rPr lang="ko-KR" altLang="en-US" sz="3600" dirty="0">
+                <a:solidFill>
+                  <a:srgbClr val="4C50BC"/>
+                </a:solidFill>
+                <a:latin typeface="G마켓 산스 Medium" panose="02000000000000000000" pitchFamily="50" charset="-127"/>
+                <a:ea typeface="G마켓 산스 Medium" panose="02000000000000000000" pitchFamily="50" charset="-127"/>
+              </a:rPr>
+              <a:t>클래스의 기능을 추가하자</a:t>
             </a:r>
             <a:r>
               <a:rPr lang="en-US" altLang="ko-KR" sz="3600" dirty="0">
@@ -6567,47 +6941,7 @@
                 <a:latin typeface="G마켓 산스 Medium" panose="02000000000000000000" pitchFamily="50" charset="-127"/>
                 <a:ea typeface="G마켓 산스 Medium" panose="02000000000000000000" pitchFamily="50" charset="-127"/>
               </a:rPr>
-              <a:t>Student </a:t>
-            </a:r>
-            <a:r>
-              <a:rPr lang="ko-KR" altLang="en-US" sz="3600" dirty="0">
-                <a:solidFill>
-                  <a:srgbClr val="4C50BC"/>
-                </a:solidFill>
-                <a:latin typeface="G마켓 산스 Medium" panose="02000000000000000000" pitchFamily="50" charset="-127"/>
-                <a:ea typeface="G마켓 산스 Medium" panose="02000000000000000000" pitchFamily="50" charset="-127"/>
-              </a:rPr>
-              <a:t>클래스의 기능을 </a:t>
-            </a:r>
-            <a:r>
-              <a:rPr lang="ko-KR" altLang="en-US" sz="3600">
-                <a:solidFill>
-                  <a:srgbClr val="4C50BC"/>
-                </a:solidFill>
-                <a:latin typeface="G마켓 산스 Medium" panose="02000000000000000000" pitchFamily="50" charset="-127"/>
-                <a:ea typeface="G마켓 산스 Medium" panose="02000000000000000000" pitchFamily="50" charset="-127"/>
-              </a:rPr>
-              <a:t>추가하자</a:t>
-            </a:r>
-            <a:r>
-              <a:rPr lang="en-US" altLang="ko-KR" sz="3600">
-                <a:solidFill>
-                  <a:srgbClr val="4C50BC"/>
-                </a:solidFill>
-                <a:latin typeface="G마켓 산스 Medium" panose="02000000000000000000" pitchFamily="50" charset="-127"/>
-                <a:ea typeface="G마켓 산스 Medium" panose="02000000000000000000" pitchFamily="50" charset="-127"/>
-              </a:rPr>
               <a:t>.</a:t>
-            </a:r>
-            <a:r>
-              <a:rPr lang="en-US" altLang="ko-KR" sz="3600">
-                <a:solidFill>
-                  <a:srgbClr val="FF0000"/>
-                </a:solidFill>
-                <a:latin typeface="G마켓 산스 Medium" panose="02000000000000000000" pitchFamily="50" charset="-127"/>
-                <a:ea typeface="G마켓 산스 Medium" panose="02000000000000000000" pitchFamily="50" charset="-127"/>
-              </a:rPr>
-              <a:t>(expert)</a:t>
             </a:r>
             <a:endParaRPr lang="en-US" altLang="ko-KR" sz="3600" dirty="0">
               <a:solidFill>
@@ -7289,14 +7623,128 @@
         </p:blipFill>
         <p:spPr>
           <a:xfrm>
-            <a:off x="10744200" y="4838699"/>
-            <a:ext cx="5943600" cy="5360047"/>
+            <a:off x="10972800" y="5705994"/>
+            <a:ext cx="4953000" cy="4466706"/>
           </a:xfrm>
           <a:prstGeom prst="rect">
             <a:avLst/>
           </a:prstGeom>
         </p:spPr>
       </p:pic>
+      <p:sp>
+        <p:nvSpPr>
+          <p:cNvPr id="2" name="TextBox 1">
+            <a:extLst>
+              <a:ext uri="{FF2B5EF4-FFF2-40B4-BE49-F238E27FC236}">
+                <a16:creationId xmlns:a16="http://schemas.microsoft.com/office/drawing/2014/main" id="{5E4F6BD4-EA89-85A2-4F9F-78740A82B3FB}"/>
+              </a:ext>
+            </a:extLst>
+          </p:cNvPr>
+          <p:cNvSpPr txBox="1"/>
+          <p:nvPr/>
+        </p:nvSpPr>
+        <p:spPr>
+          <a:xfrm>
+            <a:off x="304800" y="114300"/>
+            <a:ext cx="10972800" cy="923330"/>
+          </a:xfrm>
+          <a:prstGeom prst="rect">
+            <a:avLst/>
+          </a:prstGeom>
+          <a:noFill/>
+        </p:spPr>
+        <p:txBody>
+          <a:bodyPr wrap="square" rtlCol="0">
+            <a:spAutoFit/>
+          </a:bodyPr>
+          <a:lstStyle/>
+          <a:p>
+            <a:r>
+              <a:rPr lang="en-US" altLang="ko-KR" sz="5400" spc="-300" dirty="0">
+                <a:solidFill>
+                  <a:srgbClr val="4C50BC"/>
+                </a:solidFill>
+                <a:latin typeface="G마켓 산스 Bold" panose="02000000000000000000" pitchFamily="50" charset="-127"/>
+                <a:ea typeface="G마켓 산스 Bold" panose="02000000000000000000" pitchFamily="50" charset="-127"/>
+              </a:rPr>
+              <a:t>1-6 </a:t>
+            </a:r>
+            <a:r>
+              <a:rPr lang="ko-KR" altLang="en-US" sz="5400" spc="-300" dirty="0">
+                <a:solidFill>
+                  <a:srgbClr val="4C50BC"/>
+                </a:solidFill>
+                <a:latin typeface="G마켓 산스 Bold" panose="02000000000000000000" pitchFamily="50" charset="-127"/>
+                <a:ea typeface="G마켓 산스 Bold" panose="02000000000000000000" pitchFamily="50" charset="-127"/>
+              </a:rPr>
+              <a:t>실습문제</a:t>
+            </a:r>
+            <a:r>
+              <a:rPr lang="en-US" altLang="ko-KR" sz="5400" spc="-300" dirty="0">
+                <a:solidFill>
+                  <a:srgbClr val="4C50BC"/>
+                </a:solidFill>
+                <a:latin typeface="G마켓 산스 Bold" panose="02000000000000000000" pitchFamily="50" charset="-127"/>
+                <a:ea typeface="G마켓 산스 Bold" panose="02000000000000000000" pitchFamily="50" charset="-127"/>
+              </a:rPr>
+              <a:t> </a:t>
+            </a:r>
+            <a:r>
+              <a:rPr lang="en-US" altLang="ko-KR" sz="5400" spc="-300" dirty="0">
+                <a:solidFill>
+                  <a:srgbClr val="FF0000"/>
+                </a:solidFill>
+                <a:latin typeface="G마켓 산스 Bold" panose="02000000000000000000" pitchFamily="50" charset="-127"/>
+                <a:ea typeface="G마켓 산스 Bold" panose="02000000000000000000" pitchFamily="50" charset="-127"/>
+              </a:rPr>
+              <a:t>(expert)</a:t>
+            </a:r>
+          </a:p>
+        </p:txBody>
+      </p:sp>
+      <p:cxnSp>
+        <p:nvCxnSpPr>
+          <p:cNvPr id="3" name="직선 연결선 2">
+            <a:extLst>
+              <a:ext uri="{FF2B5EF4-FFF2-40B4-BE49-F238E27FC236}">
+                <a16:creationId xmlns:a16="http://schemas.microsoft.com/office/drawing/2014/main" id="{BD024810-6673-E672-9C47-736546F22EC9}"/>
+              </a:ext>
+            </a:extLst>
+          </p:cNvPr>
+          <p:cNvCxnSpPr>
+            <a:cxnSpLocks/>
+          </p:cNvCxnSpPr>
+          <p:nvPr/>
+        </p:nvCxnSpPr>
+        <p:spPr>
+          <a:xfrm flipH="1" flipV="1">
+            <a:off x="-13447" y="972511"/>
+            <a:ext cx="18288000" cy="65119"/>
+          </a:xfrm>
+          <a:prstGeom prst="line">
+            <a:avLst/>
+          </a:prstGeom>
+          <a:ln w="38100">
+            <a:solidFill>
+              <a:srgbClr val="4C50BC"/>
+            </a:solidFill>
+          </a:ln>
+        </p:spPr>
+        <p:style>
+          <a:lnRef idx="1">
+            <a:schemeClr val="accent1"/>
+          </a:lnRef>
+          <a:fillRef idx="0">
+            <a:schemeClr val="accent1"/>
+          </a:fillRef>
+          <a:effectRef idx="0">
+            <a:schemeClr val="accent1"/>
+          </a:effectRef>
+          <a:fontRef idx="minor">
+            <a:schemeClr val="tx1"/>
+          </a:fontRef>
+        </p:style>
+      </p:cxnSp>
     </p:spTree>
     <p:extLst>
       <p:ext uri="{BB962C8B-B14F-4D97-AF65-F5344CB8AC3E}">
@@ -10819,6 +11267,120 @@
           </a:p>
         </p:txBody>
       </p:sp>
+      <p:sp>
+        <p:nvSpPr>
+          <p:cNvPr id="2" name="TextBox 1">
+            <a:extLst>
+              <a:ext uri="{FF2B5EF4-FFF2-40B4-BE49-F238E27FC236}">
+                <a16:creationId xmlns:a16="http://schemas.microsoft.com/office/drawing/2014/main" id="{E0330900-E06D-9E4F-C748-3A6A6D83666D}"/>
+              </a:ext>
+            </a:extLst>
+          </p:cNvPr>
+          <p:cNvSpPr txBox="1"/>
+          <p:nvPr/>
+        </p:nvSpPr>
+        <p:spPr>
+          <a:xfrm>
+            <a:off x="304800" y="114300"/>
+            <a:ext cx="10972800" cy="923330"/>
+          </a:xfrm>
+          <a:prstGeom prst="rect">
+            <a:avLst/>
+          </a:prstGeom>
+          <a:noFill/>
+        </p:spPr>
+        <p:txBody>
+          <a:bodyPr wrap="square" rtlCol="0">
+            <a:spAutoFit/>
+          </a:bodyPr>
+          <a:lstStyle/>
+          <a:p>
+            <a:r>
+              <a:rPr lang="en-US" altLang="ko-KR" sz="5400" spc="-300" dirty="0">
+                <a:solidFill>
+                  <a:srgbClr val="4C50BC"/>
+                </a:solidFill>
+                <a:latin typeface="G마켓 산스 Bold" panose="02000000000000000000" pitchFamily="50" charset="-127"/>
+                <a:ea typeface="G마켓 산스 Bold" panose="02000000000000000000" pitchFamily="50" charset="-127"/>
+              </a:rPr>
+              <a:t>1-6 </a:t>
+            </a:r>
+            <a:r>
+              <a:rPr lang="ko-KR" altLang="en-US" sz="5400" spc="-300" dirty="0">
+                <a:solidFill>
+                  <a:srgbClr val="4C50BC"/>
+                </a:solidFill>
+                <a:latin typeface="G마켓 산스 Bold" panose="02000000000000000000" pitchFamily="50" charset="-127"/>
+                <a:ea typeface="G마켓 산스 Bold" panose="02000000000000000000" pitchFamily="50" charset="-127"/>
+              </a:rPr>
+              <a:t>문제풀이</a:t>
+            </a:r>
+            <a:r>
+              <a:rPr lang="en-US" altLang="ko-KR" sz="5400" spc="-300" dirty="0">
+                <a:solidFill>
+                  <a:srgbClr val="4C50BC"/>
+                </a:solidFill>
+                <a:latin typeface="G마켓 산스 Bold" panose="02000000000000000000" pitchFamily="50" charset="-127"/>
+                <a:ea typeface="G마켓 산스 Bold" panose="02000000000000000000" pitchFamily="50" charset="-127"/>
+              </a:rPr>
+              <a:t> </a:t>
+            </a:r>
+            <a:r>
+              <a:rPr lang="en-US" altLang="ko-KR" sz="5400" spc="-300" dirty="0">
+                <a:solidFill>
+                  <a:srgbClr val="FF0000"/>
+                </a:solidFill>
+                <a:latin typeface="G마켓 산스 Bold" panose="02000000000000000000" pitchFamily="50" charset="-127"/>
+                <a:ea typeface="G마켓 산스 Bold" panose="02000000000000000000" pitchFamily="50" charset="-127"/>
+              </a:rPr>
+              <a:t>(expert)</a:t>
+            </a:r>
+          </a:p>
+        </p:txBody>
+      </p:sp>
+      <p:cxnSp>
+        <p:nvCxnSpPr>
+          <p:cNvPr id="3" name="직선 연결선 2">
+            <a:extLst>
+              <a:ext uri="{FF2B5EF4-FFF2-40B4-BE49-F238E27FC236}">
+                <a16:creationId xmlns:a16="http://schemas.microsoft.com/office/drawing/2014/main" id="{2CF5119E-B1E2-9AAF-D3BE-B130D365FDC9}"/>
+              </a:ext>
+            </a:extLst>
+          </p:cNvPr>
+          <p:cNvCxnSpPr>
+            <a:cxnSpLocks/>
+          </p:cNvCxnSpPr>
+          <p:nvPr/>
+        </p:nvCxnSpPr>
+        <p:spPr>
+          <a:xfrm flipH="1" flipV="1">
+            <a:off x="-13447" y="972511"/>
+            <a:ext cx="18288000" cy="65119"/>
+          </a:xfrm>
+          <a:prstGeom prst="line">
+            <a:avLst/>
+          </a:prstGeom>
+          <a:ln w="38100">
+            <a:solidFill>
+              <a:srgbClr val="4C50BC"/>
+            </a:solidFill>
+          </a:ln>
+        </p:spPr>
+        <p:style>
+          <a:lnRef idx="1">
+            <a:schemeClr val="accent1"/>
+          </a:lnRef>
+          <a:fillRef idx="0">
+            <a:schemeClr val="accent1"/>
+          </a:fillRef>
+          <a:effectRef idx="0">
+            <a:schemeClr val="accent1"/>
+          </a:effectRef>
+          <a:fontRef idx="minor">
+            <a:schemeClr val="tx1"/>
+          </a:fontRef>
+        </p:style>
+      </p:cxnSp>
     </p:spTree>
     <p:extLst>
       <p:ext uri="{BB962C8B-B14F-4D97-AF65-F5344CB8AC3E}">
@@ -11227,7 +11789,7 @@
         </p:blipFill>
         <p:spPr>
           <a:xfrm>
-            <a:off x="228600" y="800100"/>
+            <a:off x="228600" y="1866900"/>
             <a:ext cx="9633777" cy="7315200"/>
           </a:xfrm>
           <a:prstGeom prst="rect">
@@ -11249,7 +11811,7 @@
         </p:nvSpPr>
         <p:spPr>
           <a:xfrm>
-            <a:off x="1676400" y="3162300"/>
+            <a:off x="1676400" y="4229100"/>
             <a:ext cx="4267200" cy="914400"/>
           </a:xfrm>
           <a:prstGeom prst="rect">
@@ -11303,7 +11865,7 @@
         </p:blipFill>
         <p:spPr>
           <a:xfrm>
-            <a:off x="10134599" y="1028700"/>
+            <a:off x="10134599" y="2095500"/>
             <a:ext cx="8069057" cy="5486400"/>
           </a:xfrm>
           <a:prstGeom prst="rect">
@@ -11325,7 +11887,7 @@
         </p:nvSpPr>
         <p:spPr>
           <a:xfrm>
-            <a:off x="11582400" y="2247900"/>
+            <a:off x="11582400" y="3314700"/>
             <a:ext cx="4343400" cy="1143000"/>
           </a:xfrm>
           <a:prstGeom prst="rect">
@@ -11363,6 +11925,120 @@
           </a:p>
         </p:txBody>
       </p:sp>
+      <p:sp>
+        <p:nvSpPr>
+          <p:cNvPr id="2" name="TextBox 1">
+            <a:extLst>
+              <a:ext uri="{FF2B5EF4-FFF2-40B4-BE49-F238E27FC236}">
+                <a16:creationId xmlns:a16="http://schemas.microsoft.com/office/drawing/2014/main" id="{AD4E13E8-54A3-3472-6FEA-7B5244B1476A}"/>
+              </a:ext>
+            </a:extLst>
+          </p:cNvPr>
+          <p:cNvSpPr txBox="1"/>
+          <p:nvPr/>
+        </p:nvSpPr>
+        <p:spPr>
+          <a:xfrm>
+            <a:off x="304800" y="114300"/>
+            <a:ext cx="10972800" cy="923330"/>
+          </a:xfrm>
+          <a:prstGeom prst="rect">
+            <a:avLst/>
+          </a:prstGeom>
+          <a:noFill/>
+        </p:spPr>
+        <p:txBody>
+          <a:bodyPr wrap="square" rtlCol="0">
+            <a:spAutoFit/>
+          </a:bodyPr>
+          <a:lstStyle/>
+          <a:p>
+            <a:r>
+              <a:rPr lang="en-US" altLang="ko-KR" sz="5400" spc="-300" dirty="0">
+                <a:solidFill>
+                  <a:srgbClr val="4C50BC"/>
+                </a:solidFill>
+                <a:latin typeface="G마켓 산스 Bold" panose="02000000000000000000" pitchFamily="50" charset="-127"/>
+                <a:ea typeface="G마켓 산스 Bold" panose="02000000000000000000" pitchFamily="50" charset="-127"/>
+              </a:rPr>
+              <a:t>1-6 </a:t>
+            </a:r>
+            <a:r>
+              <a:rPr lang="ko-KR" altLang="en-US" sz="5400" spc="-300" dirty="0">
+                <a:solidFill>
+                  <a:srgbClr val="4C50BC"/>
+                </a:solidFill>
+                <a:latin typeface="G마켓 산스 Bold" panose="02000000000000000000" pitchFamily="50" charset="-127"/>
+                <a:ea typeface="G마켓 산스 Bold" panose="02000000000000000000" pitchFamily="50" charset="-127"/>
+              </a:rPr>
+              <a:t>문제풀이</a:t>
+            </a:r>
+            <a:r>
+              <a:rPr lang="en-US" altLang="ko-KR" sz="5400" spc="-300" dirty="0">
+                <a:solidFill>
+                  <a:srgbClr val="4C50BC"/>
+                </a:solidFill>
+                <a:latin typeface="G마켓 산스 Bold" panose="02000000000000000000" pitchFamily="50" charset="-127"/>
+                <a:ea typeface="G마켓 산스 Bold" panose="02000000000000000000" pitchFamily="50" charset="-127"/>
+              </a:rPr>
+              <a:t> </a:t>
+            </a:r>
+            <a:r>
+              <a:rPr lang="en-US" altLang="ko-KR" sz="5400" spc="-300" dirty="0">
+                <a:solidFill>
+                  <a:srgbClr val="FF0000"/>
+                </a:solidFill>
+                <a:latin typeface="G마켓 산스 Bold" panose="02000000000000000000" pitchFamily="50" charset="-127"/>
+                <a:ea typeface="G마켓 산스 Bold" panose="02000000000000000000" pitchFamily="50" charset="-127"/>
+              </a:rPr>
+              <a:t>(expert)</a:t>
+            </a:r>
+          </a:p>
+        </p:txBody>
+      </p:sp>
+      <p:cxnSp>
+        <p:nvCxnSpPr>
+          <p:cNvPr id="4" name="직선 연결선 3">
+            <a:extLst>
+              <a:ext uri="{FF2B5EF4-FFF2-40B4-BE49-F238E27FC236}">
+                <a16:creationId xmlns:a16="http://schemas.microsoft.com/office/drawing/2014/main" id="{50A3FB89-D61C-8FA2-EBF5-F7AFE7260E85}"/>
+              </a:ext>
+            </a:extLst>
+          </p:cNvPr>
+          <p:cNvCxnSpPr>
+            <a:cxnSpLocks/>
+          </p:cNvCxnSpPr>
+          <p:nvPr/>
+        </p:nvCxnSpPr>
+        <p:spPr>
+          <a:xfrm flipH="1" flipV="1">
+            <a:off x="-13447" y="972511"/>
+            <a:ext cx="18288000" cy="65119"/>
+          </a:xfrm>
+          <a:prstGeom prst="line">
+            <a:avLst/>
+          </a:prstGeom>
+          <a:ln w="38100">
+            <a:solidFill>
+              <a:srgbClr val="4C50BC"/>
+            </a:solidFill>
+          </a:ln>
+        </p:spPr>
+        <p:style>
+          <a:lnRef idx="1">
+            <a:schemeClr val="accent1"/>
+          </a:lnRef>
+          <a:fillRef idx="0">
+            <a:schemeClr val="accent1"/>
+          </a:fillRef>
+          <a:effectRef idx="0">
+            <a:schemeClr val="accent1"/>
+          </a:effectRef>
+          <a:fontRef idx="minor">
+            <a:schemeClr val="tx1"/>
+          </a:fontRef>
+        </p:style>
+      </p:cxnSp>
     </p:spTree>
     <p:extLst>
       <p:ext uri="{BB962C8B-B14F-4D97-AF65-F5344CB8AC3E}">
@@ -11409,7 +12085,7 @@
         </p:blipFill>
         <p:spPr>
           <a:xfrm>
-            <a:off x="1371600" y="647700"/>
+            <a:off x="1371600" y="1714500"/>
             <a:ext cx="15010448" cy="7772400"/>
           </a:xfrm>
           <a:prstGeom prst="rect">
@@ -11417,6 +12093,120 @@
           </a:prstGeom>
         </p:spPr>
       </p:pic>
+      <p:sp>
+        <p:nvSpPr>
+          <p:cNvPr id="2" name="TextBox 1">
+            <a:extLst>
+              <a:ext uri="{FF2B5EF4-FFF2-40B4-BE49-F238E27FC236}">
+                <a16:creationId xmlns:a16="http://schemas.microsoft.com/office/drawing/2014/main" id="{6F6C9939-E395-3467-9327-C3028DD7CA24}"/>
+              </a:ext>
+            </a:extLst>
+          </p:cNvPr>
+          <p:cNvSpPr txBox="1"/>
+          <p:nvPr/>
+        </p:nvSpPr>
+        <p:spPr>
+          <a:xfrm>
+            <a:off x="304800" y="114300"/>
+            <a:ext cx="10972800" cy="923330"/>
+          </a:xfrm>
+          <a:prstGeom prst="rect">
+            <a:avLst/>
+          </a:prstGeom>
+          <a:noFill/>
+        </p:spPr>
+        <p:txBody>
+          <a:bodyPr wrap="square" rtlCol="0">
+            <a:spAutoFit/>
+          </a:bodyPr>
+          <a:lstStyle/>
+          <a:p>
+            <a:r>
+              <a:rPr lang="en-US" altLang="ko-KR" sz="5400" spc="-300" dirty="0">
+                <a:solidFill>
+                  <a:srgbClr val="4C50BC"/>
+                </a:solidFill>
+                <a:latin typeface="G마켓 산스 Bold" panose="02000000000000000000" pitchFamily="50" charset="-127"/>
+                <a:ea typeface="G마켓 산스 Bold" panose="02000000000000000000" pitchFamily="50" charset="-127"/>
+              </a:rPr>
+              <a:t>1-6 </a:t>
+            </a:r>
+            <a:r>
+              <a:rPr lang="ko-KR" altLang="en-US" sz="5400" spc="-300" dirty="0">
+                <a:solidFill>
+                  <a:srgbClr val="4C50BC"/>
+                </a:solidFill>
+                <a:latin typeface="G마켓 산스 Bold" panose="02000000000000000000" pitchFamily="50" charset="-127"/>
+                <a:ea typeface="G마켓 산스 Bold" panose="02000000000000000000" pitchFamily="50" charset="-127"/>
+              </a:rPr>
+              <a:t>문제풀이</a:t>
+            </a:r>
+            <a:r>
+              <a:rPr lang="en-US" altLang="ko-KR" sz="5400" spc="-300" dirty="0">
+                <a:solidFill>
+                  <a:srgbClr val="4C50BC"/>
+                </a:solidFill>
+                <a:latin typeface="G마켓 산스 Bold" panose="02000000000000000000" pitchFamily="50" charset="-127"/>
+                <a:ea typeface="G마켓 산스 Bold" panose="02000000000000000000" pitchFamily="50" charset="-127"/>
+              </a:rPr>
+              <a:t> </a:t>
+            </a:r>
+            <a:r>
+              <a:rPr lang="en-US" altLang="ko-KR" sz="5400" spc="-300" dirty="0">
+                <a:solidFill>
+                  <a:srgbClr val="FF0000"/>
+                </a:solidFill>
+                <a:latin typeface="G마켓 산스 Bold" panose="02000000000000000000" pitchFamily="50" charset="-127"/>
+                <a:ea typeface="G마켓 산스 Bold" panose="02000000000000000000" pitchFamily="50" charset="-127"/>
+              </a:rPr>
+              <a:t>(expert)</a:t>
+            </a:r>
+          </a:p>
+        </p:txBody>
+      </p:sp>
+      <p:cxnSp>
+        <p:nvCxnSpPr>
+          <p:cNvPr id="5" name="직선 연결선 4">
+            <a:extLst>
+              <a:ext uri="{FF2B5EF4-FFF2-40B4-BE49-F238E27FC236}">
+                <a16:creationId xmlns:a16="http://schemas.microsoft.com/office/drawing/2014/main" id="{BA9FEA02-70E0-D394-213C-C6A4D1554C7F}"/>
+              </a:ext>
+            </a:extLst>
+          </p:cNvPr>
+          <p:cNvCxnSpPr>
+            <a:cxnSpLocks/>
+          </p:cNvCxnSpPr>
+          <p:nvPr/>
+        </p:nvCxnSpPr>
+        <p:spPr>
+          <a:xfrm flipH="1" flipV="1">
+            <a:off x="-13447" y="972511"/>
+            <a:ext cx="18288000" cy="65119"/>
+          </a:xfrm>
+          <a:prstGeom prst="line">
+            <a:avLst/>
+          </a:prstGeom>
+          <a:ln w="38100">
+            <a:solidFill>
+              <a:srgbClr val="4C50BC"/>
+            </a:solidFill>
+          </a:ln>
+        </p:spPr>
+        <p:style>
+          <a:lnRef idx="1">
+            <a:schemeClr val="accent1"/>
+          </a:lnRef>
+          <a:fillRef idx="0">
+            <a:schemeClr val="accent1"/>
+          </a:fillRef>
+          <a:effectRef idx="0">
+            <a:schemeClr val="accent1"/>
+          </a:effectRef>
+          <a:fontRef idx="minor">
+            <a:schemeClr val="tx1"/>
+          </a:fontRef>
+        </p:style>
+      </p:cxnSp>
     </p:spTree>
     <p:extLst>
       <p:ext uri="{BB962C8B-B14F-4D97-AF65-F5344CB8AC3E}">
@@ -11461,7 +12251,7 @@
         </p:nvSpPr>
         <p:spPr>
           <a:xfrm>
-            <a:off x="710752" y="38100"/>
+            <a:off x="710752" y="983040"/>
             <a:ext cx="17577248" cy="1569660"/>
           </a:xfrm>
           <a:prstGeom prst="rect">
@@ -11476,27 +12266,37 @@
           <a:lstStyle/>
           <a:p>
             <a:r>
-              <a:rPr lang="en-US" altLang="ko-KR" sz="4800">
+              <a:rPr lang="en-US" altLang="ko-KR" sz="4800" dirty="0" err="1">
                 <a:solidFill>
                   <a:srgbClr val="4C50BC"/>
                 </a:solidFill>
                 <a:latin typeface="G마켓 산스 Bold"/>
                 <a:ea typeface="G마켓 산스 Medium" panose="02000000000000000000" pitchFamily="50" charset="-127"/>
               </a:rPr>
-              <a:t>getMinAvg() </a:t>
-            </a:r>
-            <a:r>
-              <a:rPr lang="ko-KR" altLang="en-US" sz="4800">
+              <a:t>getMinAvg</a:t>
+            </a:r>
+            <a:r>
+              <a:rPr lang="en-US" altLang="ko-KR" sz="4800" dirty="0">
                 <a:solidFill>
                   <a:srgbClr val="4C50BC"/>
                 </a:solidFill>
                 <a:latin typeface="G마켓 산스 Bold"/>
                 <a:ea typeface="G마켓 산스 Medium" panose="02000000000000000000" pitchFamily="50" charset="-127"/>
               </a:rPr>
+              <a:t>() </a:t>
+            </a:r>
+            <a:r>
+              <a:rPr lang="ko-KR" altLang="en-US" sz="4800" dirty="0">
+                <a:solidFill>
+                  <a:srgbClr val="4C50BC"/>
+                </a:solidFill>
+                <a:latin typeface="G마켓 산스 Bold"/>
+                <a:ea typeface="G마켓 산스 Medium" panose="02000000000000000000" pitchFamily="50" charset="-127"/>
+              </a:rPr>
               <a:t>에서 리턴을 </a:t>
             </a:r>
             <a:r>
-              <a:rPr lang="en-US" altLang="ko-KR" sz="4800">
+              <a:rPr lang="en-US" altLang="ko-KR" sz="4800" dirty="0">
                 <a:solidFill>
                   <a:srgbClr val="4C50BC"/>
                 </a:solidFill>
@@ -11506,7 +12306,7 @@
               <a:t>Student </a:t>
             </a:r>
             <a:r>
-              <a:rPr lang="ko-KR" altLang="en-US" sz="4800">
+              <a:rPr lang="ko-KR" altLang="en-US" sz="4800" dirty="0">
                 <a:solidFill>
                   <a:srgbClr val="4C50BC"/>
                 </a:solidFill>
@@ -11515,7 +12315,7 @@
               </a:rPr>
               <a:t>객체 말고 </a:t>
             </a:r>
-            <a:endParaRPr lang="en-US" altLang="ko-KR" sz="4800">
+            <a:endParaRPr lang="en-US" altLang="ko-KR" sz="4800" dirty="0">
               <a:solidFill>
                 <a:srgbClr val="4C50BC"/>
               </a:solidFill>
@@ -11525,7 +12325,7 @@
           </a:p>
           <a:p>
             <a:r>
-              <a:rPr lang="en-US" altLang="ko-KR" sz="4800">
+              <a:rPr lang="en-US" altLang="ko-KR" sz="4800" dirty="0">
                 <a:solidFill>
                   <a:srgbClr val="4C50BC"/>
                 </a:solidFill>
@@ -11535,7 +12335,7 @@
               <a:t> index</a:t>
             </a:r>
             <a:r>
-              <a:rPr lang="ko-KR" altLang="en-US" sz="4800">
+              <a:rPr lang="ko-KR" altLang="en-US" sz="4800" dirty="0">
                 <a:solidFill>
                   <a:srgbClr val="4C50BC"/>
                 </a:solidFill>
@@ -11545,27 +12345,37 @@
               <a:t>를 반환하면 </a:t>
             </a:r>
             <a:r>
-              <a:rPr lang="en-US" altLang="ko-KR" sz="4800">
+              <a:rPr lang="en-US" altLang="ko-KR" sz="4800" dirty="0" err="1">
                 <a:solidFill>
                   <a:srgbClr val="4C50BC"/>
                 </a:solidFill>
                 <a:latin typeface="G마켓 산스 Bold"/>
                 <a:ea typeface="G마켓 산스 Medium" panose="02000000000000000000" pitchFamily="50" charset="-127"/>
               </a:rPr>
-              <a:t>getIndex </a:t>
-            </a:r>
-            <a:r>
-              <a:rPr lang="ko-KR" altLang="en-US" sz="4800">
+              <a:t>getIndex</a:t>
+            </a:r>
+            <a:r>
+              <a:rPr lang="en-US" altLang="ko-KR" sz="4800" dirty="0">
                 <a:solidFill>
                   <a:srgbClr val="4C50BC"/>
                 </a:solidFill>
                 <a:latin typeface="G마켓 산스 Bold"/>
                 <a:ea typeface="G마켓 산스 Medium" panose="02000000000000000000" pitchFamily="50" charset="-127"/>
               </a:rPr>
+              <a:t> </a:t>
+            </a:r>
+            <a:r>
+              <a:rPr lang="ko-KR" altLang="en-US" sz="4800" dirty="0">
+                <a:solidFill>
+                  <a:srgbClr val="4C50BC"/>
+                </a:solidFill>
+                <a:latin typeface="G마켓 산스 Bold"/>
+                <a:ea typeface="G마켓 산스 Medium" panose="02000000000000000000" pitchFamily="50" charset="-127"/>
+              </a:rPr>
               <a:t>메서드를 만들 필요 없지 않을까</a:t>
             </a:r>
             <a:r>
-              <a:rPr lang="en-US" altLang="ko-KR" sz="4800">
+              <a:rPr lang="en-US" altLang="ko-KR" sz="4800" dirty="0">
                 <a:solidFill>
                   <a:srgbClr val="4C50BC"/>
                 </a:solidFill>
@@ -11600,7 +12410,7 @@
         </p:blipFill>
         <p:spPr>
           <a:xfrm>
-            <a:off x="1066800" y="1905000"/>
+            <a:off x="1066800" y="2476500"/>
             <a:ext cx="15010448" cy="7772400"/>
           </a:xfrm>
           <a:prstGeom prst="rect">
@@ -11624,7 +12434,7 @@
         </p:nvCxnSpPr>
         <p:spPr>
           <a:xfrm flipV="1">
-            <a:off x="8991600" y="2552700"/>
+            <a:off x="8991600" y="3124200"/>
             <a:ext cx="1066800" cy="598304"/>
           </a:xfrm>
           <a:prstGeom prst="straightConnector1">
@@ -11663,7 +12473,7 @@
         </p:nvSpPr>
         <p:spPr>
           <a:xfrm>
-            <a:off x="7975600" y="3151003"/>
+            <a:off x="7975600" y="3722503"/>
             <a:ext cx="4673600" cy="457200"/>
           </a:xfrm>
           <a:prstGeom prst="rect">
@@ -11715,7 +12525,7 @@
         </p:nvSpPr>
         <p:spPr>
           <a:xfrm>
-            <a:off x="10047514" y="2047473"/>
+            <a:off x="10047514" y="2618973"/>
             <a:ext cx="7772400" cy="646331"/>
           </a:xfrm>
           <a:prstGeom prst="rect">
@@ -11763,7 +12573,7 @@
         </p:nvSpPr>
         <p:spPr>
           <a:xfrm>
-            <a:off x="7975600" y="4065402"/>
+            <a:off x="8991600" y="4313736"/>
             <a:ext cx="7772400" cy="646331"/>
           </a:xfrm>
           <a:prstGeom prst="rect">
@@ -11778,35 +12588,152 @@
           <a:lstStyle/>
           <a:p>
             <a:r>
-              <a:rPr lang="ko-KR" altLang="en-US" sz="3600">
+              <a:rPr lang="ko-KR" altLang="en-US" sz="3600" dirty="0">
                 <a:solidFill>
                   <a:srgbClr val="FF0000"/>
                 </a:solidFill>
                 <a:latin typeface="G마켓 산스 Medium" panose="02000000000000000000" pitchFamily="50" charset="-127"/>
                 <a:ea typeface="G마켓 산스 Medium" panose="02000000000000000000" pitchFamily="50" charset="-127"/>
               </a:rPr>
-              <a:t>여기가 필요없어질텐데</a:t>
-            </a:r>
-            <a:r>
-              <a:rPr lang="en-US" altLang="ko-KR" sz="3600">
+              <a:t>여기가 </a:t>
+            </a:r>
+            <a:r>
+              <a:rPr lang="ko-KR" altLang="en-US" sz="3600" dirty="0" err="1">
                 <a:solidFill>
                   <a:srgbClr val="FF0000"/>
                 </a:solidFill>
                 <a:latin typeface="G마켓 산스 Medium" panose="02000000000000000000" pitchFamily="50" charset="-127"/>
                 <a:ea typeface="G마켓 산스 Medium" panose="02000000000000000000" pitchFamily="50" charset="-127"/>
               </a:rPr>
+              <a:t>필요없어질텐데</a:t>
+            </a:r>
+            <a:r>
+              <a:rPr lang="en-US" altLang="ko-KR" sz="3600" dirty="0">
+                <a:solidFill>
+                  <a:srgbClr val="FF0000"/>
+                </a:solidFill>
+                <a:latin typeface="G마켓 산스 Medium" panose="02000000000000000000" pitchFamily="50" charset="-127"/>
+                <a:ea typeface="G마켓 산스 Medium" panose="02000000000000000000" pitchFamily="50" charset="-127"/>
+              </a:rPr>
               <a:t>???</a:t>
             </a:r>
-            <a:endParaRPr lang="en-US" altLang="ko-KR" sz="3600" dirty="0">
-              <a:solidFill>
-                <a:srgbClr val="FF0000"/>
-              </a:solidFill>
-              <a:latin typeface="G마켓 산스 Medium" panose="02000000000000000000" pitchFamily="50" charset="-127"/>
-              <a:ea typeface="G마켓 산스 Medium" panose="02000000000000000000" pitchFamily="50" charset="-127"/>
-            </a:endParaRPr>
           </a:p>
         </p:txBody>
       </p:sp>
+      <p:sp>
+        <p:nvSpPr>
+          <p:cNvPr id="2" name="TextBox 1">
+            <a:extLst>
+              <a:ext uri="{FF2B5EF4-FFF2-40B4-BE49-F238E27FC236}">
+                <a16:creationId xmlns:a16="http://schemas.microsoft.com/office/drawing/2014/main" id="{DB7A9A85-7813-AD94-4FBD-487573AAFD25}"/>
+              </a:ext>
+            </a:extLst>
+          </p:cNvPr>
+          <p:cNvSpPr txBox="1"/>
+          <p:nvPr/>
+        </p:nvSpPr>
+        <p:spPr>
+          <a:xfrm>
+            <a:off x="304800" y="114300"/>
+            <a:ext cx="10972800" cy="923330"/>
+          </a:xfrm>
+          <a:prstGeom prst="rect">
+            <a:avLst/>
+          </a:prstGeom>
+          <a:noFill/>
+        </p:spPr>
+        <p:txBody>
+          <a:bodyPr wrap="square" rtlCol="0">
+            <a:spAutoFit/>
+          </a:bodyPr>
+          <a:lstStyle/>
+          <a:p>
+            <a:r>
+              <a:rPr lang="en-US" altLang="ko-KR" sz="5400" spc="-300" dirty="0">
+                <a:solidFill>
+                  <a:srgbClr val="4C50BC"/>
+                </a:solidFill>
+                <a:latin typeface="G마켓 산스 Bold" panose="02000000000000000000" pitchFamily="50" charset="-127"/>
+                <a:ea typeface="G마켓 산스 Bold" panose="02000000000000000000" pitchFamily="50" charset="-127"/>
+              </a:rPr>
+              <a:t>1-6 </a:t>
+            </a:r>
+            <a:r>
+              <a:rPr lang="ko-KR" altLang="en-US" sz="5400" spc="-300" dirty="0">
+                <a:solidFill>
+                  <a:srgbClr val="4C50BC"/>
+                </a:solidFill>
+                <a:latin typeface="G마켓 산스 Bold" panose="02000000000000000000" pitchFamily="50" charset="-127"/>
+                <a:ea typeface="G마켓 산스 Bold" panose="02000000000000000000" pitchFamily="50" charset="-127"/>
+              </a:rPr>
+              <a:t>문제풀이</a:t>
+            </a:r>
+            <a:r>
+              <a:rPr lang="en-US" altLang="ko-KR" sz="5400" spc="-300" dirty="0">
+                <a:solidFill>
+                  <a:srgbClr val="4C50BC"/>
+                </a:solidFill>
+                <a:latin typeface="G마켓 산스 Bold" panose="02000000000000000000" pitchFamily="50" charset="-127"/>
+                <a:ea typeface="G마켓 산스 Bold" panose="02000000000000000000" pitchFamily="50" charset="-127"/>
+              </a:rPr>
+              <a:t> </a:t>
+            </a:r>
+            <a:r>
+              <a:rPr lang="en-US" altLang="ko-KR" sz="5400" spc="-300" dirty="0">
+                <a:solidFill>
+                  <a:srgbClr val="FF0000"/>
+                </a:solidFill>
+                <a:latin typeface="G마켓 산스 Bold" panose="02000000000000000000" pitchFamily="50" charset="-127"/>
+                <a:ea typeface="G마켓 산스 Bold" panose="02000000000000000000" pitchFamily="50" charset="-127"/>
+              </a:rPr>
+              <a:t>(expert)</a:t>
+            </a:r>
+          </a:p>
+        </p:txBody>
+      </p:sp>
+      <p:cxnSp>
+        <p:nvCxnSpPr>
+          <p:cNvPr id="3" name="직선 연결선 2">
+            <a:extLst>
+              <a:ext uri="{FF2B5EF4-FFF2-40B4-BE49-F238E27FC236}">
+                <a16:creationId xmlns:a16="http://schemas.microsoft.com/office/drawing/2014/main" id="{A14D4475-85A3-CE96-8208-1136A33A7660}"/>
+              </a:ext>
+            </a:extLst>
+          </p:cNvPr>
+          <p:cNvCxnSpPr>
+            <a:cxnSpLocks/>
+          </p:cNvCxnSpPr>
+          <p:nvPr/>
+        </p:nvCxnSpPr>
+        <p:spPr>
+          <a:xfrm flipH="1" flipV="1">
+            <a:off x="-13447" y="972511"/>
+            <a:ext cx="18288000" cy="65119"/>
+          </a:xfrm>
+          <a:prstGeom prst="line">
+            <a:avLst/>
+          </a:prstGeom>
+          <a:ln w="38100">
+            <a:solidFill>
+              <a:srgbClr val="4C50BC"/>
+            </a:solidFill>
+          </a:ln>
+        </p:spPr>
+        <p:style>
+          <a:lnRef idx="1">
+            <a:schemeClr val="accent1"/>
+          </a:lnRef>
+          <a:fillRef idx="0">
+            <a:schemeClr val="accent1"/>
+          </a:fillRef>
+          <a:effectRef idx="0">
+            <a:schemeClr val="accent1"/>
+          </a:effectRef>
+          <a:fontRef idx="minor">
+            <a:schemeClr val="tx1"/>
+          </a:fontRef>
+        </p:style>
+      </p:cxnSp>
     </p:spTree>
     <p:extLst>
       <p:ext uri="{BB962C8B-B14F-4D97-AF65-F5344CB8AC3E}">
@@ -12703,630 +13630,6 @@
 </file>
 
 <file path=ppt/slides/slide20.xml><?xml version="1.0" encoding="utf-8"?>
-<p:sld xmlns:a="http://schemas.openxmlformats.org/drawingml/2006/main" xmlns:r="http://schemas.openxmlformats.org/officeDocument/2006/relationships" xmlns:p="http://schemas.openxmlformats.org/presentationml/2006/main" show="0">
-  <p:cSld>
-    <p:bg>
-      <p:bgPr>
-        <a:solidFill>
-          <a:srgbClr val="4C50BB"/>
-        </a:solidFill>
-        <a:effectLst/>
-      </p:bgPr>
-    </p:bg>
-    <p:spTree>
-      <p:nvGrpSpPr>
-        <p:cNvPr id="1" name=""/>
-        <p:cNvGrpSpPr/>
-        <p:nvPr/>
-      </p:nvGrpSpPr>
-      <p:grpSpPr>
-        <a:xfrm>
-          <a:off x="0" y="0"/>
-          <a:ext cx="0" cy="0"/>
-          <a:chOff x="0" y="0"/>
-          <a:chExt cx="0" cy="0"/>
-        </a:xfrm>
-      </p:grpSpPr>
-      <p:grpSp>
-        <p:nvGrpSpPr>
-          <p:cNvPr id="1001" name="그룹 1001"/>
-          <p:cNvGrpSpPr/>
-          <p:nvPr/>
-        </p:nvGrpSpPr>
-        <p:grpSpPr>
-          <a:xfrm>
-            <a:off x="-159165" y="3685351"/>
-            <a:ext cx="1432688" cy="191978"/>
-            <a:chOff x="-159165" y="3685351"/>
-            <a:chExt cx="1432688" cy="191978"/>
-          </a:xfrm>
-        </p:grpSpPr>
-        <p:pic>
-          <p:nvPicPr>
-            <p:cNvPr id="3" name="Object 2"/>
-            <p:cNvPicPr>
-              <a:picLocks noChangeAspect="1"/>
-            </p:cNvPicPr>
-            <p:nvPr/>
-          </p:nvPicPr>
-          <p:blipFill>
-            <a:blip r:embed="rId2" cstate="print"/>
-            <a:stretch>
-              <a:fillRect/>
-            </a:stretch>
-          </p:blipFill>
-          <p:spPr>
-            <a:xfrm rot="-10800000">
-              <a:off x="-159165" y="3685351"/>
-              <a:ext cx="1432688" cy="191978"/>
-            </a:xfrm>
-            <a:prstGeom prst="rect">
-              <a:avLst/>
-            </a:prstGeom>
-          </p:spPr>
-        </p:pic>
-      </p:grpSp>
-      <p:grpSp>
-        <p:nvGrpSpPr>
-          <p:cNvPr id="1002" name="그룹 1002"/>
-          <p:cNvGrpSpPr/>
-          <p:nvPr/>
-        </p:nvGrpSpPr>
-        <p:grpSpPr>
-          <a:xfrm>
-            <a:off x="13074845" y="-1224069"/>
-            <a:ext cx="3388803" cy="3355932"/>
-            <a:chOff x="13074845" y="-1224069"/>
-            <a:chExt cx="3388803" cy="3355932"/>
-          </a:xfrm>
-        </p:grpSpPr>
-        <p:pic>
-          <p:nvPicPr>
-            <p:cNvPr id="6" name="Object 5"/>
-            <p:cNvPicPr>
-              <a:picLocks noChangeAspect="1"/>
-            </p:cNvPicPr>
-            <p:nvPr/>
-          </p:nvPicPr>
-          <p:blipFill>
-            <a:blip r:embed="rId3" cstate="print"/>
-            <a:stretch>
-              <a:fillRect/>
-            </a:stretch>
-          </p:blipFill>
-          <p:spPr>
-            <a:xfrm>
-              <a:off x="13074845" y="-1224069"/>
-              <a:ext cx="3388803" cy="3355932"/>
-            </a:xfrm>
-            <a:prstGeom prst="rect">
-              <a:avLst/>
-            </a:prstGeom>
-          </p:spPr>
-        </p:pic>
-      </p:grpSp>
-      <p:grpSp>
-        <p:nvGrpSpPr>
-          <p:cNvPr id="1003" name="그룹 1003"/>
-          <p:cNvGrpSpPr/>
-          <p:nvPr/>
-        </p:nvGrpSpPr>
-        <p:grpSpPr>
-          <a:xfrm>
-            <a:off x="15502230" y="-877556"/>
-            <a:ext cx="3902974" cy="3971928"/>
-            <a:chOff x="15502230" y="-877556"/>
-            <a:chExt cx="3902974" cy="3971928"/>
-          </a:xfrm>
-        </p:grpSpPr>
-        <p:pic>
-          <p:nvPicPr>
-            <p:cNvPr id="9" name="Object 8"/>
-            <p:cNvPicPr>
-              <a:picLocks noChangeAspect="1"/>
-            </p:cNvPicPr>
-            <p:nvPr/>
-          </p:nvPicPr>
-          <p:blipFill>
-            <a:blip r:embed="rId4" cstate="print"/>
-            <a:stretch>
-              <a:fillRect/>
-            </a:stretch>
-          </p:blipFill>
-          <p:spPr>
-            <a:xfrm rot="-2700000">
-              <a:off x="15502230" y="-877556"/>
-              <a:ext cx="3902974" cy="3971928"/>
-            </a:xfrm>
-            <a:prstGeom prst="rect">
-              <a:avLst/>
-            </a:prstGeom>
-          </p:spPr>
-        </p:pic>
-      </p:grpSp>
-      <p:grpSp>
-        <p:nvGrpSpPr>
-          <p:cNvPr id="1004" name="그룹 1004"/>
-          <p:cNvGrpSpPr/>
-          <p:nvPr/>
-        </p:nvGrpSpPr>
-        <p:grpSpPr>
-          <a:xfrm>
-            <a:off x="14137208" y="6930045"/>
-            <a:ext cx="4652881" cy="4607748"/>
-            <a:chOff x="14137208" y="6930045"/>
-            <a:chExt cx="4652881" cy="4607748"/>
-          </a:xfrm>
-        </p:grpSpPr>
-        <p:pic>
-          <p:nvPicPr>
-            <p:cNvPr id="12" name="Object 11"/>
-            <p:cNvPicPr>
-              <a:picLocks noChangeAspect="1"/>
-            </p:cNvPicPr>
-            <p:nvPr/>
-          </p:nvPicPr>
-          <p:blipFill>
-            <a:blip r:embed="rId5" cstate="print"/>
-            <a:stretch>
-              <a:fillRect/>
-            </a:stretch>
-          </p:blipFill>
-          <p:spPr>
-            <a:xfrm>
-              <a:off x="14137208" y="6930045"/>
-              <a:ext cx="4652881" cy="4607748"/>
-            </a:xfrm>
-            <a:prstGeom prst="rect">
-              <a:avLst/>
-            </a:prstGeom>
-          </p:spPr>
-        </p:pic>
-      </p:grpSp>
-      <p:sp>
-        <p:nvSpPr>
-          <p:cNvPr id="2" name="TextBox 1">
-            <a:extLst>
-              <a:ext uri="{FF2B5EF4-FFF2-40B4-BE49-F238E27FC236}">
-                <a16:creationId xmlns:a16="http://schemas.microsoft.com/office/drawing/2014/main" id="{76F36AE5-79B5-0B9F-E510-1C27AAC4B649}"/>
-              </a:ext>
-            </a:extLst>
-          </p:cNvPr>
-          <p:cNvSpPr txBox="1"/>
-          <p:nvPr/>
-        </p:nvSpPr>
-        <p:spPr>
-          <a:xfrm>
-            <a:off x="2172958" y="5295900"/>
-            <a:ext cx="3441968" cy="1107996"/>
-          </a:xfrm>
-          <a:prstGeom prst="rect">
-            <a:avLst/>
-          </a:prstGeom>
-          <a:noFill/>
-        </p:spPr>
-        <p:txBody>
-          <a:bodyPr wrap="none" rtlCol="0">
-            <a:spAutoFit/>
-          </a:bodyPr>
-          <a:lstStyle/>
-          <a:p>
-            <a:r>
-              <a:rPr lang="ko-KR" altLang="en-US" sz="6600">
-                <a:solidFill>
-                  <a:prstClr val="white"/>
-                </a:solidFill>
-                <a:latin typeface="G마켓 산스 Medium" panose="02000000000000000000" pitchFamily="50" charset="-127"/>
-                <a:ea typeface="G마켓 산스 Medium" panose="02000000000000000000" pitchFamily="50" charset="-127"/>
-              </a:rPr>
-              <a:t>실습문제</a:t>
-            </a:r>
-            <a:endParaRPr lang="ko-KR" altLang="en-US" sz="2800" dirty="0">
-              <a:solidFill>
-                <a:prstClr val="white"/>
-              </a:solidFill>
-              <a:latin typeface="G마켓 산스 Medium" panose="02000000000000000000" pitchFamily="50" charset="-127"/>
-              <a:ea typeface="G마켓 산스 Medium" panose="02000000000000000000" pitchFamily="50" charset="-127"/>
-            </a:endParaRPr>
-          </a:p>
-        </p:txBody>
-      </p:sp>
-      <p:pic>
-        <p:nvPicPr>
-          <p:cNvPr id="13" name="Object 2"/>
-          <p:cNvPicPr>
-            <a:picLocks noChangeAspect="1"/>
-          </p:cNvPicPr>
-          <p:nvPr/>
-        </p:nvPicPr>
-        <p:blipFill>
-          <a:blip r:embed="rId6" cstate="print"/>
-          <a:stretch>
-            <a:fillRect/>
-          </a:stretch>
-        </p:blipFill>
-        <p:spPr>
-          <a:xfrm>
-            <a:off x="1468058" y="2416536"/>
-            <a:ext cx="3183528" cy="3284880"/>
-          </a:xfrm>
-          <a:prstGeom prst="rect">
-            <a:avLst/>
-          </a:prstGeom>
-        </p:spPr>
-      </p:pic>
-    </p:spTree>
-    <p:extLst>
-      <p:ext uri="{BB962C8B-B14F-4D97-AF65-F5344CB8AC3E}">
-        <p14:creationId xmlns:p14="http://schemas.microsoft.com/office/powerpoint/2010/main" val="452150878"/>
-      </p:ext>
-    </p:extLst>
-  </p:cSld>
-  <p:clrMapOvr>
-    <a:masterClrMapping/>
-  </p:clrMapOvr>
-</p:sld>
-</file>
-
-<file path=ppt/slides/slide21.xml><?xml version="1.0" encoding="utf-8"?>
-<p:sld xmlns:a="http://schemas.openxmlformats.org/drawingml/2006/main" xmlns:r="http://schemas.openxmlformats.org/officeDocument/2006/relationships" xmlns:p="http://schemas.openxmlformats.org/presentationml/2006/main" show="0">
-  <p:cSld>
-    <p:spTree>
-      <p:nvGrpSpPr>
-        <p:cNvPr id="1" name=""/>
-        <p:cNvGrpSpPr/>
-        <p:nvPr/>
-      </p:nvGrpSpPr>
-      <p:grpSpPr>
-        <a:xfrm>
-          <a:off x="0" y="0"/>
-          <a:ext cx="0" cy="0"/>
-          <a:chOff x="0" y="0"/>
-          <a:chExt cx="0" cy="0"/>
-        </a:xfrm>
-      </p:grpSpPr>
-      <p:sp>
-        <p:nvSpPr>
-          <p:cNvPr id="5" name="TextBox 4">
-            <a:extLst>
-              <a:ext uri="{FF2B5EF4-FFF2-40B4-BE49-F238E27FC236}">
-                <a16:creationId xmlns:a16="http://schemas.microsoft.com/office/drawing/2014/main" id="{5ADC00B6-990A-40DC-3CEA-505258F5E8DA}"/>
-              </a:ext>
-            </a:extLst>
-          </p:cNvPr>
-          <p:cNvSpPr txBox="1"/>
-          <p:nvPr/>
-        </p:nvSpPr>
-        <p:spPr>
-          <a:xfrm>
-            <a:off x="762000" y="197703"/>
-            <a:ext cx="3048000" cy="830997"/>
-          </a:xfrm>
-          <a:prstGeom prst="rect">
-            <a:avLst/>
-          </a:prstGeom>
-          <a:noFill/>
-        </p:spPr>
-        <p:txBody>
-          <a:bodyPr wrap="square" rtlCol="0">
-            <a:spAutoFit/>
-          </a:bodyPr>
-          <a:lstStyle/>
-          <a:p>
-            <a:r>
-              <a:rPr lang="ko-KR" altLang="en-US" sz="4800">
-                <a:solidFill>
-                  <a:srgbClr val="4C50BC"/>
-                </a:solidFill>
-                <a:latin typeface="G마켓 산스 Medium" panose="02000000000000000000" pitchFamily="50" charset="-127"/>
-                <a:ea typeface="G마켓 산스 Medium" panose="02000000000000000000" pitchFamily="50" charset="-127"/>
-              </a:rPr>
-              <a:t>연습문제</a:t>
-            </a:r>
-            <a:r>
-              <a:rPr lang="en-US" altLang="ko-KR" sz="4800">
-                <a:solidFill>
-                  <a:srgbClr val="4C50BC"/>
-                </a:solidFill>
-                <a:latin typeface="G마켓 산스 Medium" panose="02000000000000000000" pitchFamily="50" charset="-127"/>
-                <a:ea typeface="G마켓 산스 Medium" panose="02000000000000000000" pitchFamily="50" charset="-127"/>
-              </a:rPr>
-              <a:t>2</a:t>
-            </a:r>
-            <a:endParaRPr lang="en-US" altLang="ko-KR" sz="4800" dirty="0">
-              <a:solidFill>
-                <a:srgbClr val="4C50BC"/>
-              </a:solidFill>
-              <a:latin typeface="G마켓 산스 Medium" panose="02000000000000000000" pitchFamily="50" charset="-127"/>
-              <a:ea typeface="G마켓 산스 Medium" panose="02000000000000000000" pitchFamily="50" charset="-127"/>
-            </a:endParaRPr>
-          </a:p>
-        </p:txBody>
-      </p:sp>
-      <p:sp>
-        <p:nvSpPr>
-          <p:cNvPr id="6" name="TextBox 5">
-            <a:extLst>
-              <a:ext uri="{FF2B5EF4-FFF2-40B4-BE49-F238E27FC236}">
-                <a16:creationId xmlns:a16="http://schemas.microsoft.com/office/drawing/2014/main" id="{A2AD056B-97A4-5BCC-4460-250160F3E171}"/>
-              </a:ext>
-            </a:extLst>
-          </p:cNvPr>
-          <p:cNvSpPr txBox="1"/>
-          <p:nvPr/>
-        </p:nvSpPr>
-        <p:spPr>
-          <a:xfrm>
-            <a:off x="762000" y="1104900"/>
-            <a:ext cx="17602200" cy="2308324"/>
-          </a:xfrm>
-          <a:prstGeom prst="rect">
-            <a:avLst/>
-          </a:prstGeom>
-          <a:noFill/>
-        </p:spPr>
-        <p:txBody>
-          <a:bodyPr wrap="square" rtlCol="0">
-            <a:spAutoFit/>
-          </a:bodyPr>
-          <a:lstStyle/>
-          <a:p>
-            <a:r>
-              <a:rPr lang="en-US" altLang="ko-KR" sz="3600">
-                <a:solidFill>
-                  <a:srgbClr val="4C50BC"/>
-                </a:solidFill>
-                <a:latin typeface="G마켓 산스 Medium" panose="02000000000000000000" pitchFamily="50" charset="-127"/>
-                <a:ea typeface="G마켓 산스 Medium" panose="02000000000000000000" pitchFamily="50" charset="-127"/>
-              </a:rPr>
-              <a:t>2-1 </a:t>
-            </a:r>
-            <a:r>
-              <a:rPr lang="ko-KR" altLang="en-US" sz="3600">
-                <a:solidFill>
-                  <a:srgbClr val="4C50BC"/>
-                </a:solidFill>
-                <a:latin typeface="G마켓 산스 Medium" panose="02000000000000000000" pitchFamily="50" charset="-127"/>
-                <a:ea typeface="G마켓 산스 Medium" panose="02000000000000000000" pitchFamily="50" charset="-127"/>
-              </a:rPr>
-              <a:t>앞서 만든 </a:t>
-            </a:r>
-            <a:r>
-              <a:rPr lang="en-US" altLang="ko-KR" sz="3600">
-                <a:solidFill>
-                  <a:srgbClr val="4C50BC"/>
-                </a:solidFill>
-                <a:latin typeface="G마켓 산스 Medium" panose="02000000000000000000" pitchFamily="50" charset="-127"/>
-                <a:ea typeface="G마켓 산스 Medium" panose="02000000000000000000" pitchFamily="50" charset="-127"/>
-              </a:rPr>
-              <a:t>Student </a:t>
-            </a:r>
-            <a:r>
-              <a:rPr lang="ko-KR" altLang="en-US" sz="3600">
-                <a:solidFill>
-                  <a:srgbClr val="4C50BC"/>
-                </a:solidFill>
-                <a:latin typeface="G마켓 산스 Medium" panose="02000000000000000000" pitchFamily="50" charset="-127"/>
-                <a:ea typeface="G마켓 산스 Medium" panose="02000000000000000000" pitchFamily="50" charset="-127"/>
-              </a:rPr>
-              <a:t>클래스의 </a:t>
-            </a:r>
-            <a:r>
-              <a:rPr lang="en-US" altLang="ko-KR" sz="3600">
-                <a:solidFill>
-                  <a:srgbClr val="4C50BC"/>
-                </a:solidFill>
-                <a:latin typeface="G마켓 산스 Medium" panose="02000000000000000000" pitchFamily="50" charset="-127"/>
-                <a:ea typeface="G마켓 산스 Medium" panose="02000000000000000000" pitchFamily="50" charset="-127"/>
-              </a:rPr>
-              <a:t>count</a:t>
-            </a:r>
-            <a:r>
-              <a:rPr lang="ko-KR" altLang="en-US" sz="3600">
-                <a:solidFill>
-                  <a:srgbClr val="4C50BC"/>
-                </a:solidFill>
-                <a:latin typeface="G마켓 산스 Medium" panose="02000000000000000000" pitchFamily="50" charset="-127"/>
-                <a:ea typeface="G마켓 산스 Medium" panose="02000000000000000000" pitchFamily="50" charset="-127"/>
-              </a:rPr>
-              <a:t>는 모든 생성자마다 공통적으로 들어가 있어 코드가 중복이 많다</a:t>
-            </a:r>
-            <a:r>
-              <a:rPr lang="en-US" altLang="ko-KR" sz="3600">
-                <a:solidFill>
-                  <a:srgbClr val="4C50BC"/>
-                </a:solidFill>
-                <a:latin typeface="G마켓 산스 Medium" panose="02000000000000000000" pitchFamily="50" charset="-127"/>
-                <a:ea typeface="G마켓 산스 Medium" panose="02000000000000000000" pitchFamily="50" charset="-127"/>
-              </a:rPr>
-              <a:t>. </a:t>
-            </a:r>
-            <a:r>
-              <a:rPr lang="ko-KR" altLang="en-US" sz="3600">
-                <a:solidFill>
-                  <a:srgbClr val="4C50BC"/>
-                </a:solidFill>
-                <a:latin typeface="G마켓 산스 Medium" panose="02000000000000000000" pitchFamily="50" charset="-127"/>
-                <a:ea typeface="G마켓 산스 Medium" panose="02000000000000000000" pitchFamily="50" charset="-127"/>
-              </a:rPr>
-              <a:t>이를 초기화 블록을 통해 중복을 제거하자</a:t>
-            </a:r>
-            <a:endParaRPr lang="en-US" altLang="ko-KR" sz="3600">
-              <a:solidFill>
-                <a:srgbClr val="4C50BC"/>
-              </a:solidFill>
-              <a:latin typeface="G마켓 산스 Medium" panose="02000000000000000000" pitchFamily="50" charset="-127"/>
-              <a:ea typeface="G마켓 산스 Medium" panose="02000000000000000000" pitchFamily="50" charset="-127"/>
-            </a:endParaRPr>
-          </a:p>
-          <a:p>
-            <a:pPr marL="571500" indent="-571500">
-              <a:buFontTx/>
-              <a:buChar char="-"/>
-            </a:pPr>
-            <a:r>
-              <a:rPr lang="ko-KR" altLang="en-US" sz="3600">
-                <a:solidFill>
-                  <a:schemeClr val="bg1">
-                    <a:lumMod val="50000"/>
-                  </a:schemeClr>
-                </a:solidFill>
-                <a:latin typeface="G마켓 산스 Medium" panose="02000000000000000000" pitchFamily="50" charset="-127"/>
-                <a:ea typeface="G마켓 산스 Medium" panose="02000000000000000000" pitchFamily="50" charset="-127"/>
-              </a:rPr>
-              <a:t>객체가 생성될때마다 실행되어야 하니 </a:t>
-            </a:r>
-            <a:endParaRPr lang="en-US" altLang="ko-KR" sz="3600">
-              <a:solidFill>
-                <a:schemeClr val="bg1">
-                  <a:lumMod val="50000"/>
-                </a:schemeClr>
-              </a:solidFill>
-              <a:latin typeface="G마켓 산스 Medium" panose="02000000000000000000" pitchFamily="50" charset="-127"/>
-              <a:ea typeface="G마켓 산스 Medium" panose="02000000000000000000" pitchFamily="50" charset="-127"/>
-            </a:endParaRPr>
-          </a:p>
-          <a:p>
-            <a:r>
-              <a:rPr lang="ko-KR" altLang="en-US" sz="3600">
-                <a:solidFill>
-                  <a:schemeClr val="bg1">
-                    <a:lumMod val="50000"/>
-                  </a:schemeClr>
-                </a:solidFill>
-                <a:latin typeface="G마켓 산스 Medium" panose="02000000000000000000" pitchFamily="50" charset="-127"/>
-                <a:ea typeface="G마켓 산스 Medium" panose="02000000000000000000" pitchFamily="50" charset="-127"/>
-              </a:rPr>
-              <a:t>     클래스 초기화 블록 </a:t>
-            </a:r>
-            <a:r>
-              <a:rPr lang="en-US" altLang="ko-KR" sz="3600">
-                <a:solidFill>
-                  <a:schemeClr val="bg1">
-                    <a:lumMod val="50000"/>
-                  </a:schemeClr>
-                </a:solidFill>
-                <a:latin typeface="G마켓 산스 Medium" panose="02000000000000000000" pitchFamily="50" charset="-127"/>
-                <a:ea typeface="G마켓 산스 Medium" panose="02000000000000000000" pitchFamily="50" charset="-127"/>
-              </a:rPr>
-              <a:t>VS </a:t>
-            </a:r>
-            <a:r>
-              <a:rPr lang="ko-KR" altLang="en-US" sz="3600">
-                <a:solidFill>
-                  <a:schemeClr val="bg1">
-                    <a:lumMod val="50000"/>
-                  </a:schemeClr>
-                </a:solidFill>
-                <a:latin typeface="G마켓 산스 Medium" panose="02000000000000000000" pitchFamily="50" charset="-127"/>
-                <a:ea typeface="G마켓 산스 Medium" panose="02000000000000000000" pitchFamily="50" charset="-127"/>
-              </a:rPr>
-              <a:t>인스턴스 초기화 블록 잘 고민해보자</a:t>
-            </a:r>
-            <a:r>
-              <a:rPr lang="en-US" altLang="ko-KR" sz="3600">
-                <a:solidFill>
-                  <a:schemeClr val="bg1">
-                    <a:lumMod val="50000"/>
-                  </a:schemeClr>
-                </a:solidFill>
-                <a:latin typeface="G마켓 산스 Medium" panose="02000000000000000000" pitchFamily="50" charset="-127"/>
-                <a:ea typeface="G마켓 산스 Medium" panose="02000000000000000000" pitchFamily="50" charset="-127"/>
-              </a:rPr>
-              <a:t>.</a:t>
-            </a:r>
-            <a:r>
-              <a:rPr lang="ko-KR" altLang="en-US" sz="3600">
-                <a:solidFill>
-                  <a:schemeClr val="bg1">
-                    <a:lumMod val="50000"/>
-                  </a:schemeClr>
-                </a:solidFill>
-                <a:latin typeface="G마켓 산스 Medium" panose="02000000000000000000" pitchFamily="50" charset="-127"/>
-                <a:ea typeface="G마켓 산스 Medium" panose="02000000000000000000" pitchFamily="50" charset="-127"/>
-              </a:rPr>
-              <a:t> </a:t>
-            </a:r>
-            <a:endParaRPr lang="en-US" altLang="ko-KR" sz="3600" dirty="0">
-              <a:solidFill>
-                <a:schemeClr val="bg1">
-                  <a:lumMod val="50000"/>
-                </a:schemeClr>
-              </a:solidFill>
-              <a:latin typeface="G마켓 산스 Medium" panose="02000000000000000000" pitchFamily="50" charset="-127"/>
-              <a:ea typeface="G마켓 산스 Medium" panose="02000000000000000000" pitchFamily="50" charset="-127"/>
-            </a:endParaRPr>
-          </a:p>
-        </p:txBody>
-      </p:sp>
-      <p:pic>
-        <p:nvPicPr>
-          <p:cNvPr id="8" name="그림 7"/>
-          <p:cNvPicPr>
-            <a:picLocks noChangeAspect="1"/>
-          </p:cNvPicPr>
-          <p:nvPr/>
-        </p:nvPicPr>
-        <p:blipFill>
-          <a:blip r:embed="rId2"/>
-          <a:stretch>
-            <a:fillRect/>
-          </a:stretch>
-        </p:blipFill>
-        <p:spPr>
-          <a:xfrm>
-            <a:off x="784274" y="3619500"/>
-            <a:ext cx="3635326" cy="6548034"/>
-          </a:xfrm>
-          <a:prstGeom prst="rect">
-            <a:avLst/>
-          </a:prstGeom>
-        </p:spPr>
-      </p:pic>
-    </p:spTree>
-    <p:extLst>
-      <p:ext uri="{BB962C8B-B14F-4D97-AF65-F5344CB8AC3E}">
-        <p14:creationId xmlns:p14="http://schemas.microsoft.com/office/powerpoint/2010/main" val="224557992"/>
-      </p:ext>
-    </p:extLst>
-  </p:cSld>
-  <p:clrMapOvr>
-    <a:masterClrMapping/>
-  </p:clrMapOvr>
-</p:sld>
-</file>
-
-<file path=ppt/slides/slide22.xml><?xml version="1.0" encoding="utf-8"?>
-<p:sld xmlns:a="http://schemas.openxmlformats.org/drawingml/2006/main" xmlns:r="http://schemas.openxmlformats.org/officeDocument/2006/relationships" xmlns:p="http://schemas.openxmlformats.org/presentationml/2006/main" show="0">
-  <p:cSld>
-    <p:spTree>
-      <p:nvGrpSpPr>
-        <p:cNvPr id="1" name=""/>
-        <p:cNvGrpSpPr/>
-        <p:nvPr/>
-      </p:nvGrpSpPr>
-      <p:grpSpPr>
-        <a:xfrm>
-          <a:off x="0" y="0"/>
-          <a:ext cx="0" cy="0"/>
-          <a:chOff x="0" y="0"/>
-          <a:chExt cx="0" cy="0"/>
-        </a:xfrm>
-      </p:grpSpPr>
-    </p:spTree>
-    <p:extLst>
-      <p:ext uri="{BB962C8B-B14F-4D97-AF65-F5344CB8AC3E}">
-        <p14:creationId xmlns:p14="http://schemas.microsoft.com/office/powerpoint/2010/main" val="2172946897"/>
-      </p:ext>
-    </p:extLst>
-  </p:cSld>
-  <p:clrMapOvr>
-    <a:masterClrMapping/>
-  </p:clrMapOvr>
-</p:sld>
-</file>
-
-<file path=ppt/slides/slide23.xml><?xml version="1.0" encoding="utf-8"?>
 <p:sld xmlns:a="http://schemas.openxmlformats.org/drawingml/2006/main" xmlns:r="http://schemas.openxmlformats.org/officeDocument/2006/relationships" xmlns:p="http://schemas.openxmlformats.org/presentationml/2006/main">
   <p:cSld name="Slide 20">
     <p:bg>
@@ -13950,64 +14253,6 @@
       </p:grpSpPr>
       <p:sp>
         <p:nvSpPr>
-          <p:cNvPr id="4" name="TextBox 3">
-            <a:extLst>
-              <a:ext uri="{FF2B5EF4-FFF2-40B4-BE49-F238E27FC236}">
-                <a16:creationId xmlns:a16="http://schemas.microsoft.com/office/drawing/2014/main" id="{5ADC00B6-990A-40DC-3CEA-505258F5E8DA}"/>
-              </a:ext>
-            </a:extLst>
-          </p:cNvPr>
-          <p:cNvSpPr txBox="1"/>
-          <p:nvPr/>
-        </p:nvSpPr>
-        <p:spPr>
-          <a:xfrm>
-            <a:off x="762000" y="197703"/>
-            <a:ext cx="3048000" cy="830997"/>
-          </a:xfrm>
-          <a:prstGeom prst="rect">
-            <a:avLst/>
-          </a:prstGeom>
-          <a:noFill/>
-        </p:spPr>
-        <p:txBody>
-          <a:bodyPr wrap="square" rtlCol="0">
-            <a:spAutoFit/>
-          </a:bodyPr>
-          <a:lstStyle/>
-          <a:p>
-            <a:r>
-              <a:rPr lang="ko-KR" altLang="en-US" sz="4800">
-                <a:solidFill>
-                  <a:srgbClr val="4C50BC"/>
-                </a:solidFill>
-                <a:latin typeface="G마켓 산스 Medium" panose="02000000000000000000" pitchFamily="50" charset="-127"/>
-                <a:ea typeface="G마켓 산스 Medium" panose="02000000000000000000" pitchFamily="50" charset="-127"/>
-              </a:rPr>
-              <a:t>연습문제</a:t>
-            </a:r>
-            <a:r>
-              <a:rPr lang="en-US" altLang="ko-KR" sz="4800">
-                <a:solidFill>
-                  <a:srgbClr val="4C50BC"/>
-                </a:solidFill>
-                <a:latin typeface="G마켓 산스 Medium" panose="02000000000000000000" pitchFamily="50" charset="-127"/>
-                <a:ea typeface="G마켓 산스 Medium" panose="02000000000000000000" pitchFamily="50" charset="-127"/>
-              </a:rPr>
-              <a:t>1</a:t>
-            </a:r>
-            <a:endParaRPr lang="en-US" altLang="ko-KR" sz="4800" dirty="0">
-              <a:solidFill>
-                <a:srgbClr val="4C50BC"/>
-              </a:solidFill>
-              <a:latin typeface="G마켓 산스 Medium" panose="02000000000000000000" pitchFamily="50" charset="-127"/>
-              <a:ea typeface="G마켓 산스 Medium" panose="02000000000000000000" pitchFamily="50" charset="-127"/>
-            </a:endParaRPr>
-          </a:p>
-        </p:txBody>
-      </p:sp>
-      <p:sp>
-        <p:nvSpPr>
           <p:cNvPr id="5" name="TextBox 4">
             <a:extLst>
               <a:ext uri="{FF2B5EF4-FFF2-40B4-BE49-F238E27FC236}">
@@ -14042,7 +14287,7 @@
                 <a:latin typeface="G마켓 산스 Medium" panose="02000000000000000000" pitchFamily="50" charset="-127"/>
                 <a:ea typeface="G마켓 산스 Medium" panose="02000000000000000000" pitchFamily="50" charset="-127"/>
               </a:rPr>
-              <a:t>1-1 Student </a:t>
+              <a:t>Student </a:t>
             </a:r>
             <a:r>
               <a:rPr lang="ko-KR" altLang="en-US" sz="3600" dirty="0">
@@ -14054,16 +14299,13 @@
               </a:rPr>
               <a:t>클래스를 만들고 사용해보자</a:t>
             </a:r>
-            <a:r>
-              <a:rPr lang="en-US" altLang="ko-KR" sz="3600" dirty="0">
-                <a:solidFill>
-                  <a:srgbClr val="FF0000"/>
-                </a:solidFill>
-                <a:latin typeface="G마켓 산스 Medium" panose="02000000000000000000" pitchFamily="50" charset="-127"/>
-                <a:ea typeface="G마켓 산스 Medium" panose="02000000000000000000" pitchFamily="50" charset="-127"/>
-              </a:rPr>
-              <a:t>(normal)</a:t>
-            </a:r>
+            <a:endParaRPr lang="en-US" altLang="ko-KR" sz="3600" dirty="0">
+              <a:solidFill>
+                <a:srgbClr val="FF0000"/>
+              </a:solidFill>
+              <a:latin typeface="G마켓 산스 Medium" panose="02000000000000000000" pitchFamily="50" charset="-127"/>
+              <a:ea typeface="G마켓 산스 Medium" panose="02000000000000000000" pitchFamily="50" charset="-127"/>
+            </a:endParaRPr>
           </a:p>
           <a:p>
             <a:pPr marL="571500" indent="-571500">
@@ -14256,6 +14498,120 @@
           </a:prstGeom>
         </p:spPr>
       </p:pic>
+      <p:sp>
+        <p:nvSpPr>
+          <p:cNvPr id="2" name="TextBox 1">
+            <a:extLst>
+              <a:ext uri="{FF2B5EF4-FFF2-40B4-BE49-F238E27FC236}">
+                <a16:creationId xmlns:a16="http://schemas.microsoft.com/office/drawing/2014/main" id="{C0481989-658A-66AC-046D-3584C41A09CA}"/>
+              </a:ext>
+            </a:extLst>
+          </p:cNvPr>
+          <p:cNvSpPr txBox="1"/>
+          <p:nvPr/>
+        </p:nvSpPr>
+        <p:spPr>
+          <a:xfrm>
+            <a:off x="304800" y="114300"/>
+            <a:ext cx="10972800" cy="923330"/>
+          </a:xfrm>
+          <a:prstGeom prst="rect">
+            <a:avLst/>
+          </a:prstGeom>
+          <a:noFill/>
+        </p:spPr>
+        <p:txBody>
+          <a:bodyPr wrap="square" rtlCol="0">
+            <a:spAutoFit/>
+          </a:bodyPr>
+          <a:lstStyle/>
+          <a:p>
+            <a:r>
+              <a:rPr lang="en-US" altLang="ko-KR" sz="5400" spc="-300" dirty="0">
+                <a:solidFill>
+                  <a:srgbClr val="4C50BC"/>
+                </a:solidFill>
+                <a:latin typeface="G마켓 산스 Bold" panose="02000000000000000000" pitchFamily="50" charset="-127"/>
+                <a:ea typeface="G마켓 산스 Bold" panose="02000000000000000000" pitchFamily="50" charset="-127"/>
+              </a:rPr>
+              <a:t>1-1 </a:t>
+            </a:r>
+            <a:r>
+              <a:rPr lang="ko-KR" altLang="en-US" sz="5400" spc="-300" dirty="0">
+                <a:solidFill>
+                  <a:srgbClr val="4C50BC"/>
+                </a:solidFill>
+                <a:latin typeface="G마켓 산스 Bold" panose="02000000000000000000" pitchFamily="50" charset="-127"/>
+                <a:ea typeface="G마켓 산스 Bold" panose="02000000000000000000" pitchFamily="50" charset="-127"/>
+              </a:rPr>
+              <a:t>실습문제</a:t>
+            </a:r>
+            <a:r>
+              <a:rPr lang="en-US" altLang="ko-KR" sz="5400" spc="-300" dirty="0">
+                <a:solidFill>
+                  <a:srgbClr val="4C50BC"/>
+                </a:solidFill>
+                <a:latin typeface="G마켓 산스 Bold" panose="02000000000000000000" pitchFamily="50" charset="-127"/>
+                <a:ea typeface="G마켓 산스 Bold" panose="02000000000000000000" pitchFamily="50" charset="-127"/>
+              </a:rPr>
+              <a:t> </a:t>
+            </a:r>
+            <a:r>
+              <a:rPr lang="en-US" altLang="ko-KR" sz="5400" spc="-300" dirty="0">
+                <a:solidFill>
+                  <a:srgbClr val="FF0000"/>
+                </a:solidFill>
+                <a:latin typeface="G마켓 산스 Bold" panose="02000000000000000000" pitchFamily="50" charset="-127"/>
+                <a:ea typeface="G마켓 산스 Bold" panose="02000000000000000000" pitchFamily="50" charset="-127"/>
+              </a:rPr>
+              <a:t>(normal)</a:t>
+            </a:r>
+          </a:p>
+        </p:txBody>
+      </p:sp>
+      <p:cxnSp>
+        <p:nvCxnSpPr>
+          <p:cNvPr id="6" name="직선 연결선 5">
+            <a:extLst>
+              <a:ext uri="{FF2B5EF4-FFF2-40B4-BE49-F238E27FC236}">
+                <a16:creationId xmlns:a16="http://schemas.microsoft.com/office/drawing/2014/main" id="{7929F887-8B64-BC12-7817-F6ECC371AB56}"/>
+              </a:ext>
+            </a:extLst>
+          </p:cNvPr>
+          <p:cNvCxnSpPr>
+            <a:cxnSpLocks/>
+          </p:cNvCxnSpPr>
+          <p:nvPr/>
+        </p:nvCxnSpPr>
+        <p:spPr>
+          <a:xfrm flipH="1" flipV="1">
+            <a:off x="-13447" y="972511"/>
+            <a:ext cx="18288000" cy="65119"/>
+          </a:xfrm>
+          <a:prstGeom prst="line">
+            <a:avLst/>
+          </a:prstGeom>
+          <a:ln w="38100">
+            <a:solidFill>
+              <a:srgbClr val="4C50BC"/>
+            </a:solidFill>
+          </a:ln>
+        </p:spPr>
+        <p:style>
+          <a:lnRef idx="1">
+            <a:schemeClr val="accent1"/>
+          </a:lnRef>
+          <a:fillRef idx="0">
+            <a:schemeClr val="accent1"/>
+          </a:fillRef>
+          <a:effectRef idx="0">
+            <a:schemeClr val="accent1"/>
+          </a:effectRef>
+          <a:fontRef idx="minor">
+            <a:schemeClr val="tx1"/>
+          </a:fontRef>
+        </p:style>
+      </p:cxnSp>
     </p:spTree>
     <p:extLst>
       <p:ext uri="{BB962C8B-B14F-4D97-AF65-F5344CB8AC3E}">
@@ -14300,8 +14656,8 @@
         </p:nvGrpSpPr>
         <p:grpSpPr>
           <a:xfrm>
-            <a:off x="4114800" y="876300"/>
-            <a:ext cx="9906000" cy="8610600"/>
+            <a:off x="4114800" y="1232984"/>
+            <a:ext cx="9906000" cy="8253915"/>
             <a:chOff x="1447800" y="876300"/>
             <a:chExt cx="9525000" cy="8305800"/>
           </a:xfrm>
@@ -14563,10 +14919,10 @@
       </p:cxnSp>
       <p:sp>
         <p:nvSpPr>
-          <p:cNvPr id="16" name="TextBox 15">
+          <p:cNvPr id="2" name="TextBox 1">
             <a:extLst>
               <a:ext uri="{FF2B5EF4-FFF2-40B4-BE49-F238E27FC236}">
-                <a16:creationId xmlns:a16="http://schemas.microsoft.com/office/drawing/2014/main" id="{D15846FF-94B2-2A26-97FA-DA8623CD808D}"/>
+                <a16:creationId xmlns:a16="http://schemas.microsoft.com/office/drawing/2014/main" id="{BFAFBE84-DC3A-B25B-8AE4-64A473318A28}"/>
               </a:ext>
             </a:extLst>
           </p:cNvPr>
@@ -14575,8 +14931,8 @@
         </p:nvSpPr>
         <p:spPr>
           <a:xfrm>
-            <a:off x="609600" y="571500"/>
-            <a:ext cx="1665841" cy="1015663"/>
+            <a:off x="304800" y="114300"/>
+            <a:ext cx="10972800" cy="923330"/>
           </a:xfrm>
           <a:prstGeom prst="rect">
             <a:avLst/>
@@ -14584,31 +14940,97 @@
           <a:noFill/>
         </p:spPr>
         <p:txBody>
-          <a:bodyPr wrap="none" rtlCol="0">
+          <a:bodyPr wrap="square" rtlCol="0">
             <a:spAutoFit/>
           </a:bodyPr>
           <a:lstStyle/>
           <a:p>
             <a:r>
-              <a:rPr lang="ko-KR" altLang="en-US" sz="6000" dirty="0">
-                <a:solidFill>
-                  <a:srgbClr val="4C50BB"/>
-                </a:solidFill>
-                <a:latin typeface="G마켓 산스 TTF Bold" panose="02000000000000000000" pitchFamily="2" charset="-127"/>
-                <a:ea typeface="G마켓 산스 TTF Bold" panose="02000000000000000000" pitchFamily="2" charset="-127"/>
-              </a:rPr>
-              <a:t>해설</a:t>
-            </a:r>
-            <a:endParaRPr lang="ko-KR" altLang="en-US" sz="800" dirty="0">
-              <a:solidFill>
-                <a:srgbClr val="4C50BB"/>
-              </a:solidFill>
-              <a:latin typeface="G마켓 산스 TTF Bold" panose="02000000000000000000" pitchFamily="2" charset="-127"/>
-              <a:ea typeface="G마켓 산스 TTF Bold" panose="02000000000000000000" pitchFamily="2" charset="-127"/>
-            </a:endParaRPr>
+              <a:rPr lang="en-US" altLang="ko-KR" sz="5400" spc="-300" dirty="0">
+                <a:solidFill>
+                  <a:srgbClr val="4C50BC"/>
+                </a:solidFill>
+                <a:latin typeface="G마켓 산스 Bold" panose="02000000000000000000" pitchFamily="50" charset="-127"/>
+                <a:ea typeface="G마켓 산스 Bold" panose="02000000000000000000" pitchFamily="50" charset="-127"/>
+              </a:rPr>
+              <a:t>1-1 </a:t>
+            </a:r>
+            <a:r>
+              <a:rPr lang="ko-KR" altLang="en-US" sz="5400" spc="-300" dirty="0">
+                <a:solidFill>
+                  <a:srgbClr val="4C50BC"/>
+                </a:solidFill>
+                <a:latin typeface="G마켓 산스 Bold" panose="02000000000000000000" pitchFamily="50" charset="-127"/>
+                <a:ea typeface="G마켓 산스 Bold" panose="02000000000000000000" pitchFamily="50" charset="-127"/>
+              </a:rPr>
+              <a:t>문제풀이</a:t>
+            </a:r>
+            <a:r>
+              <a:rPr lang="en-US" altLang="ko-KR" sz="5400" spc="-300" dirty="0">
+                <a:solidFill>
+                  <a:srgbClr val="4C50BC"/>
+                </a:solidFill>
+                <a:latin typeface="G마켓 산스 Bold" panose="02000000000000000000" pitchFamily="50" charset="-127"/>
+                <a:ea typeface="G마켓 산스 Bold" panose="02000000000000000000" pitchFamily="50" charset="-127"/>
+              </a:rPr>
+              <a:t> </a:t>
+            </a:r>
+            <a:r>
+              <a:rPr lang="en-US" altLang="ko-KR" sz="5400" spc="-300" dirty="0">
+                <a:solidFill>
+                  <a:srgbClr val="FF0000"/>
+                </a:solidFill>
+                <a:latin typeface="G마켓 산스 Bold" panose="02000000000000000000" pitchFamily="50" charset="-127"/>
+                <a:ea typeface="G마켓 산스 Bold" panose="02000000000000000000" pitchFamily="50" charset="-127"/>
+              </a:rPr>
+              <a:t>(normal)</a:t>
+            </a:r>
           </a:p>
         </p:txBody>
       </p:sp>
+      <p:cxnSp>
+        <p:nvCxnSpPr>
+          <p:cNvPr id="3" name="직선 연결선 2">
+            <a:extLst>
+              <a:ext uri="{FF2B5EF4-FFF2-40B4-BE49-F238E27FC236}">
+                <a16:creationId xmlns:a16="http://schemas.microsoft.com/office/drawing/2014/main" id="{F9BFFCB7-DAFE-CA4B-3807-298BAC2D5CEF}"/>
+              </a:ext>
+            </a:extLst>
+          </p:cNvPr>
+          <p:cNvCxnSpPr>
+            <a:cxnSpLocks/>
+          </p:cNvCxnSpPr>
+          <p:nvPr/>
+        </p:nvCxnSpPr>
+        <p:spPr>
+          <a:xfrm flipH="1" flipV="1">
+            <a:off x="-13447" y="972511"/>
+            <a:ext cx="18288000" cy="65119"/>
+          </a:xfrm>
+          <a:prstGeom prst="line">
+            <a:avLst/>
+          </a:prstGeom>
+          <a:ln w="38100">
+            <a:solidFill>
+              <a:srgbClr val="4C50BC"/>
+            </a:solidFill>
+          </a:ln>
+        </p:spPr>
+        <p:style>
+          <a:lnRef idx="1">
+            <a:schemeClr val="accent1"/>
+          </a:lnRef>
+          <a:fillRef idx="0">
+            <a:schemeClr val="accent1"/>
+          </a:fillRef>
+          <a:effectRef idx="0">
+            <a:schemeClr val="accent1"/>
+          </a:effectRef>
+          <a:fontRef idx="minor">
+            <a:schemeClr val="tx1"/>
+          </a:fontRef>
+        </p:style>
+      </p:cxnSp>
     </p:spTree>
     <p:extLst>
       <p:ext uri="{BB962C8B-B14F-4D97-AF65-F5344CB8AC3E}">
@@ -14653,7 +15075,7 @@
         </p:nvSpPr>
         <p:spPr>
           <a:xfrm>
-            <a:off x="381000" y="38100"/>
+            <a:off x="381000" y="966509"/>
             <a:ext cx="17526000" cy="1569660"/>
           </a:xfrm>
           <a:prstGeom prst="rect">
@@ -14675,7 +15097,7 @@
                 <a:latin typeface="G마켓 산스 Medium" panose="02000000000000000000" pitchFamily="50" charset="-127"/>
                 <a:ea typeface="G마켓 산스 Medium" panose="02000000000000000000" pitchFamily="50" charset="-127"/>
               </a:rPr>
-              <a:t>1-2 Student</a:t>
+              <a:t>Student</a:t>
             </a:r>
             <a:r>
               <a:rPr lang="ko-KR" altLang="en-US" sz="3200" dirty="0">
@@ -14687,16 +15109,13 @@
               </a:rPr>
               <a:t>클래스에 성적의 합계와 평균을 구하는 기능을 추가하자</a:t>
             </a:r>
-            <a:r>
-              <a:rPr lang="en-US" altLang="ko-KR" sz="3200" dirty="0">
-                <a:solidFill>
-                  <a:srgbClr val="FF0000"/>
-                </a:solidFill>
-                <a:latin typeface="G마켓 산스 Medium" panose="02000000000000000000" pitchFamily="50" charset="-127"/>
-                <a:ea typeface="G마켓 산스 Medium" panose="02000000000000000000" pitchFamily="50" charset="-127"/>
-              </a:rPr>
-              <a:t>(normal)</a:t>
-            </a:r>
+            <a:endParaRPr lang="en-US" altLang="ko-KR" sz="3200" dirty="0">
+              <a:solidFill>
+                <a:srgbClr val="FF0000"/>
+              </a:solidFill>
+              <a:latin typeface="G마켓 산스 Medium" panose="02000000000000000000" pitchFamily="50" charset="-127"/>
+              <a:ea typeface="G마켓 산스 Medium" panose="02000000000000000000" pitchFamily="50" charset="-127"/>
+            </a:endParaRPr>
           </a:p>
           <a:p>
             <a:r>
@@ -14882,7 +15301,7 @@
         </p:blipFill>
         <p:spPr>
           <a:xfrm>
-            <a:off x="413657" y="2552700"/>
+            <a:off x="413657" y="3481109"/>
             <a:ext cx="10454197" cy="3886200"/>
           </a:xfrm>
           <a:prstGeom prst="rect">
@@ -14912,7 +15331,7 @@
         </p:blipFill>
         <p:spPr>
           <a:xfrm>
-            <a:off x="381000" y="6743700"/>
+            <a:off x="381000" y="7672109"/>
             <a:ext cx="6306358" cy="2576791"/>
           </a:xfrm>
           <a:prstGeom prst="rect">
@@ -14920,6 +15339,120 @@
           </a:prstGeom>
         </p:spPr>
       </p:pic>
+      <p:sp>
+        <p:nvSpPr>
+          <p:cNvPr id="2" name="TextBox 1">
+            <a:extLst>
+              <a:ext uri="{FF2B5EF4-FFF2-40B4-BE49-F238E27FC236}">
+                <a16:creationId xmlns:a16="http://schemas.microsoft.com/office/drawing/2014/main" id="{B1B93011-0A64-611E-26EC-1DA683D38A7E}"/>
+              </a:ext>
+            </a:extLst>
+          </p:cNvPr>
+          <p:cNvSpPr txBox="1"/>
+          <p:nvPr/>
+        </p:nvSpPr>
+        <p:spPr>
+          <a:xfrm>
+            <a:off x="304800" y="114300"/>
+            <a:ext cx="10972800" cy="923330"/>
+          </a:xfrm>
+          <a:prstGeom prst="rect">
+            <a:avLst/>
+          </a:prstGeom>
+          <a:noFill/>
+        </p:spPr>
+        <p:txBody>
+          <a:bodyPr wrap="square" rtlCol="0">
+            <a:spAutoFit/>
+          </a:bodyPr>
+          <a:lstStyle/>
+          <a:p>
+            <a:r>
+              <a:rPr lang="en-US" altLang="ko-KR" sz="5400" spc="-300" dirty="0">
+                <a:solidFill>
+                  <a:srgbClr val="4C50BC"/>
+                </a:solidFill>
+                <a:latin typeface="G마켓 산스 Bold" panose="02000000000000000000" pitchFamily="50" charset="-127"/>
+                <a:ea typeface="G마켓 산스 Bold" panose="02000000000000000000" pitchFamily="50" charset="-127"/>
+              </a:rPr>
+              <a:t>1-2 </a:t>
+            </a:r>
+            <a:r>
+              <a:rPr lang="ko-KR" altLang="en-US" sz="5400" spc="-300" dirty="0">
+                <a:solidFill>
+                  <a:srgbClr val="4C50BC"/>
+                </a:solidFill>
+                <a:latin typeface="G마켓 산스 Bold" panose="02000000000000000000" pitchFamily="50" charset="-127"/>
+                <a:ea typeface="G마켓 산스 Bold" panose="02000000000000000000" pitchFamily="50" charset="-127"/>
+              </a:rPr>
+              <a:t>실습문제</a:t>
+            </a:r>
+            <a:r>
+              <a:rPr lang="en-US" altLang="ko-KR" sz="5400" spc="-300" dirty="0">
+                <a:solidFill>
+                  <a:srgbClr val="4C50BC"/>
+                </a:solidFill>
+                <a:latin typeface="G마켓 산스 Bold" panose="02000000000000000000" pitchFamily="50" charset="-127"/>
+                <a:ea typeface="G마켓 산스 Bold" panose="02000000000000000000" pitchFamily="50" charset="-127"/>
+              </a:rPr>
+              <a:t> </a:t>
+            </a:r>
+            <a:r>
+              <a:rPr lang="en-US" altLang="ko-KR" sz="5400" spc="-300" dirty="0">
+                <a:solidFill>
+                  <a:srgbClr val="FF0000"/>
+                </a:solidFill>
+                <a:latin typeface="G마켓 산스 Bold" panose="02000000000000000000" pitchFamily="50" charset="-127"/>
+                <a:ea typeface="G마켓 산스 Bold" panose="02000000000000000000" pitchFamily="50" charset="-127"/>
+              </a:rPr>
+              <a:t>(normal)</a:t>
+            </a:r>
+          </a:p>
+        </p:txBody>
+      </p:sp>
+      <p:cxnSp>
+        <p:nvCxnSpPr>
+          <p:cNvPr id="4" name="직선 연결선 3">
+            <a:extLst>
+              <a:ext uri="{FF2B5EF4-FFF2-40B4-BE49-F238E27FC236}">
+                <a16:creationId xmlns:a16="http://schemas.microsoft.com/office/drawing/2014/main" id="{147CA3EE-12CA-BAE2-1981-09711CADAFC7}"/>
+              </a:ext>
+            </a:extLst>
+          </p:cNvPr>
+          <p:cNvCxnSpPr>
+            <a:cxnSpLocks/>
+          </p:cNvCxnSpPr>
+          <p:nvPr/>
+        </p:nvCxnSpPr>
+        <p:spPr>
+          <a:xfrm flipH="1" flipV="1">
+            <a:off x="-13447" y="972511"/>
+            <a:ext cx="18288000" cy="65119"/>
+          </a:xfrm>
+          <a:prstGeom prst="line">
+            <a:avLst/>
+          </a:prstGeom>
+          <a:ln w="38100">
+            <a:solidFill>
+              <a:srgbClr val="4C50BC"/>
+            </a:solidFill>
+          </a:ln>
+        </p:spPr>
+        <p:style>
+          <a:lnRef idx="1">
+            <a:schemeClr val="accent1"/>
+          </a:lnRef>
+          <a:fillRef idx="0">
+            <a:schemeClr val="accent1"/>
+          </a:fillRef>
+          <a:effectRef idx="0">
+            <a:schemeClr val="accent1"/>
+          </a:effectRef>
+          <a:fontRef idx="minor">
+            <a:schemeClr val="tx1"/>
+          </a:fontRef>
+        </p:style>
+      </p:cxnSp>
     </p:spTree>
     <p:extLst>
       <p:ext uri="{BB962C8B-B14F-4D97-AF65-F5344CB8AC3E}">
@@ -14950,54 +15483,6 @@
           <a:chExt cx="0" cy="0"/>
         </a:xfrm>
       </p:grpSpPr>
-      <p:sp>
-        <p:nvSpPr>
-          <p:cNvPr id="2" name="TextBox 1">
-            <a:extLst>
-              <a:ext uri="{FF2B5EF4-FFF2-40B4-BE49-F238E27FC236}">
-                <a16:creationId xmlns:a16="http://schemas.microsoft.com/office/drawing/2014/main" id="{EC0C5CB0-065B-7FA5-FF43-C77AD2B07740}"/>
-              </a:ext>
-            </a:extLst>
-          </p:cNvPr>
-          <p:cNvSpPr txBox="1"/>
-          <p:nvPr/>
-        </p:nvSpPr>
-        <p:spPr>
-          <a:xfrm>
-            <a:off x="609600" y="571500"/>
-            <a:ext cx="1665841" cy="1015663"/>
-          </a:xfrm>
-          <a:prstGeom prst="rect">
-            <a:avLst/>
-          </a:prstGeom>
-          <a:noFill/>
-        </p:spPr>
-        <p:txBody>
-          <a:bodyPr wrap="none" rtlCol="0">
-            <a:spAutoFit/>
-          </a:bodyPr>
-          <a:lstStyle/>
-          <a:p>
-            <a:r>
-              <a:rPr lang="ko-KR" altLang="en-US" sz="6000" dirty="0">
-                <a:solidFill>
-                  <a:srgbClr val="4C50BB"/>
-                </a:solidFill>
-                <a:latin typeface="G마켓 산스 TTF Bold" panose="02000000000000000000" pitchFamily="2" charset="-127"/>
-                <a:ea typeface="G마켓 산스 TTF Bold" panose="02000000000000000000" pitchFamily="2" charset="-127"/>
-              </a:rPr>
-              <a:t>해설</a:t>
-            </a:r>
-            <a:endParaRPr lang="ko-KR" altLang="en-US" sz="800" dirty="0">
-              <a:solidFill>
-                <a:srgbClr val="4C50BB"/>
-              </a:solidFill>
-              <a:latin typeface="G마켓 산스 TTF Bold" panose="02000000000000000000" pitchFamily="2" charset="-127"/>
-              <a:ea typeface="G마켓 산스 TTF Bold" panose="02000000000000000000" pitchFamily="2" charset="-127"/>
-            </a:endParaRPr>
-          </a:p>
-        </p:txBody>
-      </p:sp>
       <p:pic>
         <p:nvPicPr>
           <p:cNvPr id="4" name="그림 3">
@@ -15212,6 +15697,120 @@
           </a:p>
         </p:txBody>
       </p:sp>
+      <p:sp>
+        <p:nvSpPr>
+          <p:cNvPr id="3" name="TextBox 2">
+            <a:extLst>
+              <a:ext uri="{FF2B5EF4-FFF2-40B4-BE49-F238E27FC236}">
+                <a16:creationId xmlns:a16="http://schemas.microsoft.com/office/drawing/2014/main" id="{FB36E2BA-64A8-1AF7-655A-0AD43ED670B5}"/>
+              </a:ext>
+            </a:extLst>
+          </p:cNvPr>
+          <p:cNvSpPr txBox="1"/>
+          <p:nvPr/>
+        </p:nvSpPr>
+        <p:spPr>
+          <a:xfrm>
+            <a:off x="304800" y="114300"/>
+            <a:ext cx="10972800" cy="923330"/>
+          </a:xfrm>
+          <a:prstGeom prst="rect">
+            <a:avLst/>
+          </a:prstGeom>
+          <a:noFill/>
+        </p:spPr>
+        <p:txBody>
+          <a:bodyPr wrap="square" rtlCol="0">
+            <a:spAutoFit/>
+          </a:bodyPr>
+          <a:lstStyle/>
+          <a:p>
+            <a:r>
+              <a:rPr lang="en-US" altLang="ko-KR" sz="5400" spc="-300" dirty="0">
+                <a:solidFill>
+                  <a:srgbClr val="4C50BC"/>
+                </a:solidFill>
+                <a:latin typeface="G마켓 산스 Bold" panose="02000000000000000000" pitchFamily="50" charset="-127"/>
+                <a:ea typeface="G마켓 산스 Bold" panose="02000000000000000000" pitchFamily="50" charset="-127"/>
+              </a:rPr>
+              <a:t>1-2 </a:t>
+            </a:r>
+            <a:r>
+              <a:rPr lang="ko-KR" altLang="en-US" sz="5400" spc="-300" dirty="0">
+                <a:solidFill>
+                  <a:srgbClr val="4C50BC"/>
+                </a:solidFill>
+                <a:latin typeface="G마켓 산스 Bold" panose="02000000000000000000" pitchFamily="50" charset="-127"/>
+                <a:ea typeface="G마켓 산스 Bold" panose="02000000000000000000" pitchFamily="50" charset="-127"/>
+              </a:rPr>
+              <a:t>문제풀이</a:t>
+            </a:r>
+            <a:r>
+              <a:rPr lang="en-US" altLang="ko-KR" sz="5400" spc="-300" dirty="0">
+                <a:solidFill>
+                  <a:srgbClr val="4C50BC"/>
+                </a:solidFill>
+                <a:latin typeface="G마켓 산스 Bold" panose="02000000000000000000" pitchFamily="50" charset="-127"/>
+                <a:ea typeface="G마켓 산스 Bold" panose="02000000000000000000" pitchFamily="50" charset="-127"/>
+              </a:rPr>
+              <a:t> </a:t>
+            </a:r>
+            <a:r>
+              <a:rPr lang="en-US" altLang="ko-KR" sz="5400" spc="-300" dirty="0">
+                <a:solidFill>
+                  <a:srgbClr val="FF0000"/>
+                </a:solidFill>
+                <a:latin typeface="G마켓 산스 Bold" panose="02000000000000000000" pitchFamily="50" charset="-127"/>
+                <a:ea typeface="G마켓 산스 Bold" panose="02000000000000000000" pitchFamily="50" charset="-127"/>
+              </a:rPr>
+              <a:t>(normal)</a:t>
+            </a:r>
+          </a:p>
+        </p:txBody>
+      </p:sp>
+      <p:cxnSp>
+        <p:nvCxnSpPr>
+          <p:cNvPr id="8" name="직선 연결선 7">
+            <a:extLst>
+              <a:ext uri="{FF2B5EF4-FFF2-40B4-BE49-F238E27FC236}">
+                <a16:creationId xmlns:a16="http://schemas.microsoft.com/office/drawing/2014/main" id="{BC6F84A4-ECEC-59FE-B495-1DAC9DE558E5}"/>
+              </a:ext>
+            </a:extLst>
+          </p:cNvPr>
+          <p:cNvCxnSpPr>
+            <a:cxnSpLocks/>
+          </p:cNvCxnSpPr>
+          <p:nvPr/>
+        </p:nvCxnSpPr>
+        <p:spPr>
+          <a:xfrm flipH="1" flipV="1">
+            <a:off x="-13447" y="972511"/>
+            <a:ext cx="18288000" cy="65119"/>
+          </a:xfrm>
+          <a:prstGeom prst="line">
+            <a:avLst/>
+          </a:prstGeom>
+          <a:ln w="38100">
+            <a:solidFill>
+              <a:srgbClr val="4C50BC"/>
+            </a:solidFill>
+          </a:ln>
+        </p:spPr>
+        <p:style>
+          <a:lnRef idx="1">
+            <a:schemeClr val="accent1"/>
+          </a:lnRef>
+          <a:fillRef idx="0">
+            <a:schemeClr val="accent1"/>
+          </a:fillRef>
+          <a:effectRef idx="0">
+            <a:schemeClr val="accent1"/>
+          </a:effectRef>
+          <a:fontRef idx="minor">
+            <a:schemeClr val="tx1"/>
+          </a:fontRef>
+        </p:style>
+      </p:cxnSp>
     </p:spTree>
     <p:extLst>
       <p:ext uri="{BB962C8B-B14F-4D97-AF65-F5344CB8AC3E}">
@@ -15256,8 +15855,8 @@
         </p:nvSpPr>
         <p:spPr>
           <a:xfrm>
-            <a:off x="381000" y="38100"/>
-            <a:ext cx="17526000" cy="3539430"/>
+            <a:off x="381000" y="1181100"/>
+            <a:ext cx="17526000" cy="4031873"/>
           </a:xfrm>
           <a:prstGeom prst="rect">
             <a:avLst/>
@@ -15278,7 +15877,7 @@
                 <a:latin typeface="G마켓 산스 Medium" panose="02000000000000000000" pitchFamily="50" charset="-127"/>
                 <a:ea typeface="G마켓 산스 Medium" panose="02000000000000000000" pitchFamily="50" charset="-127"/>
               </a:rPr>
-              <a:t>1-3 Student</a:t>
+              <a:t>Student</a:t>
             </a:r>
             <a:r>
               <a:rPr lang="ko-KR" altLang="en-US" sz="3200" dirty="0">
@@ -15290,16 +15889,13 @@
               </a:rPr>
               <a:t>클래스에 객체가 생성 될 때마다 객체의 카운트를 올려보자</a:t>
             </a:r>
-            <a:r>
-              <a:rPr lang="en-US" altLang="ko-KR" sz="3200" dirty="0">
-                <a:solidFill>
-                  <a:srgbClr val="FF0000"/>
-                </a:solidFill>
-                <a:latin typeface="G마켓 산스 Medium" panose="02000000000000000000" pitchFamily="50" charset="-127"/>
-                <a:ea typeface="G마켓 산스 Medium" panose="02000000000000000000" pitchFamily="50" charset="-127"/>
-              </a:rPr>
-              <a:t>(hard)</a:t>
-            </a:r>
+            <a:endParaRPr lang="en-US" altLang="ko-KR" sz="3200" dirty="0">
+              <a:solidFill>
+                <a:srgbClr val="FF0000"/>
+              </a:solidFill>
+              <a:latin typeface="G마켓 산스 Medium" panose="02000000000000000000" pitchFamily="50" charset="-127"/>
+              <a:ea typeface="G마켓 산스 Medium" panose="02000000000000000000" pitchFamily="50" charset="-127"/>
+            </a:endParaRPr>
           </a:p>
           <a:p>
             <a:r>
@@ -15386,6 +15982,15 @@
               </a:rPr>
               <a:t>.)</a:t>
             </a:r>
+          </a:p>
+          <a:p>
+            <a:endParaRPr lang="en-US" altLang="ko-KR" sz="3200" dirty="0">
+              <a:solidFill>
+                <a:srgbClr val="FF0000"/>
+              </a:solidFill>
+              <a:latin typeface="G마켓 산스 Medium" panose="02000000000000000000" pitchFamily="50" charset="-127"/>
+              <a:ea typeface="G마켓 산스 Medium" panose="02000000000000000000" pitchFamily="50" charset="-127"/>
+            </a:endParaRPr>
           </a:p>
           <a:p>
             <a:r>
@@ -15439,27 +16044,7 @@
                 <a:latin typeface="G마켓 산스 Medium" panose="02000000000000000000" pitchFamily="50" charset="-127"/>
                 <a:ea typeface="G마켓 산스 Medium" panose="02000000000000000000" pitchFamily="50" charset="-127"/>
               </a:rPr>
-              <a:t>변수는 객체가 </a:t>
-            </a:r>
-            <a:r>
-              <a:rPr lang="ko-KR" altLang="en-US" sz="3200" dirty="0" err="1">
-                <a:solidFill>
-                  <a:srgbClr val="FF0000"/>
-                </a:solidFill>
-                <a:latin typeface="G마켓 산스 Medium" panose="02000000000000000000" pitchFamily="50" charset="-127"/>
-                <a:ea typeface="G마켓 산스 Medium" panose="02000000000000000000" pitchFamily="50" charset="-127"/>
-              </a:rPr>
-              <a:t>생성될때마다</a:t>
-            </a:r>
-            <a:r>
-              <a:rPr lang="ko-KR" altLang="en-US" sz="3200" dirty="0">
-                <a:solidFill>
-                  <a:srgbClr val="FF0000"/>
-                </a:solidFill>
-                <a:latin typeface="G마켓 산스 Medium" panose="02000000000000000000" pitchFamily="50" charset="-127"/>
-                <a:ea typeface="G마켓 산스 Medium" panose="02000000000000000000" pitchFamily="50" charset="-127"/>
-              </a:rPr>
-              <a:t> </a:t>
+              <a:t>변수는 객체가 생성 될 때마다 </a:t>
             </a:r>
             <a:r>
               <a:rPr lang="en-US" altLang="ko-KR" sz="3200" dirty="0">
@@ -15562,27 +16147,7 @@
                 <a:latin typeface="G마켓 산스 Medium" panose="02000000000000000000" pitchFamily="50" charset="-127"/>
                 <a:ea typeface="G마켓 산스 Medium" panose="02000000000000000000" pitchFamily="50" charset="-127"/>
               </a:rPr>
-              <a:t>객체가 </a:t>
-            </a:r>
-            <a:r>
-              <a:rPr lang="ko-KR" altLang="en-US" sz="3200" dirty="0" err="1">
-                <a:solidFill>
-                  <a:srgbClr val="FF0000"/>
-                </a:solidFill>
-                <a:latin typeface="G마켓 산스 Medium" panose="02000000000000000000" pitchFamily="50" charset="-127"/>
-                <a:ea typeface="G마켓 산스 Medium" panose="02000000000000000000" pitchFamily="50" charset="-127"/>
-              </a:rPr>
-              <a:t>생성될때마다</a:t>
-            </a:r>
-            <a:r>
-              <a:rPr lang="ko-KR" altLang="en-US" sz="3200" dirty="0">
-                <a:solidFill>
-                  <a:srgbClr val="FF0000"/>
-                </a:solidFill>
-                <a:latin typeface="G마켓 산스 Medium" panose="02000000000000000000" pitchFamily="50" charset="-127"/>
-                <a:ea typeface="G마켓 산스 Medium" panose="02000000000000000000" pitchFamily="50" charset="-127"/>
-              </a:rPr>
-              <a:t> 특정 작업을 하고 싶다면 생성자 내부에서 해야 한다</a:t>
+              <a:t>객체가 생성 될 때마다 특정 작업을 하고 싶다면 생성자 내부에서 해야 한다</a:t>
             </a:r>
             <a:r>
               <a:rPr lang="en-US" altLang="ko-KR" sz="3200" dirty="0">
@@ -15619,7 +16184,7 @@
         </p:blipFill>
         <p:spPr>
           <a:xfrm>
-            <a:off x="533400" y="4838700"/>
+            <a:off x="533400" y="5219700"/>
             <a:ext cx="13305099" cy="2514600"/>
           </a:xfrm>
           <a:prstGeom prst="rect">
@@ -15649,7 +16214,7 @@
         </p:blipFill>
         <p:spPr>
           <a:xfrm>
-            <a:off x="547914" y="7658100"/>
+            <a:off x="547914" y="7810500"/>
             <a:ext cx="5726428" cy="2057400"/>
           </a:xfrm>
           <a:prstGeom prst="rect">
@@ -15657,6 +16222,120 @@
           </a:prstGeom>
         </p:spPr>
       </p:pic>
+      <p:sp>
+        <p:nvSpPr>
+          <p:cNvPr id="7" name="TextBox 6">
+            <a:extLst>
+              <a:ext uri="{FF2B5EF4-FFF2-40B4-BE49-F238E27FC236}">
+                <a16:creationId xmlns:a16="http://schemas.microsoft.com/office/drawing/2014/main" id="{67A7BF7B-642F-8897-F8B6-B168CDBF3E40}"/>
+              </a:ext>
+            </a:extLst>
+          </p:cNvPr>
+          <p:cNvSpPr txBox="1"/>
+          <p:nvPr/>
+        </p:nvSpPr>
+        <p:spPr>
+          <a:xfrm>
+            <a:off x="304800" y="114300"/>
+            <a:ext cx="10972800" cy="923330"/>
+          </a:xfrm>
+          <a:prstGeom prst="rect">
+            <a:avLst/>
+          </a:prstGeom>
+          <a:noFill/>
+        </p:spPr>
+        <p:txBody>
+          <a:bodyPr wrap="square" rtlCol="0">
+            <a:spAutoFit/>
+          </a:bodyPr>
+          <a:lstStyle/>
+          <a:p>
+            <a:r>
+              <a:rPr lang="en-US" altLang="ko-KR" sz="5400" spc="-300" dirty="0">
+                <a:solidFill>
+                  <a:srgbClr val="4C50BC"/>
+                </a:solidFill>
+                <a:latin typeface="G마켓 산스 Bold" panose="02000000000000000000" pitchFamily="50" charset="-127"/>
+                <a:ea typeface="G마켓 산스 Bold" panose="02000000000000000000" pitchFamily="50" charset="-127"/>
+              </a:rPr>
+              <a:t>1-3 </a:t>
+            </a:r>
+            <a:r>
+              <a:rPr lang="ko-KR" altLang="en-US" sz="5400" spc="-300" dirty="0">
+                <a:solidFill>
+                  <a:srgbClr val="4C50BC"/>
+                </a:solidFill>
+                <a:latin typeface="G마켓 산스 Bold" panose="02000000000000000000" pitchFamily="50" charset="-127"/>
+                <a:ea typeface="G마켓 산스 Bold" panose="02000000000000000000" pitchFamily="50" charset="-127"/>
+              </a:rPr>
+              <a:t>실습문제</a:t>
+            </a:r>
+            <a:r>
+              <a:rPr lang="en-US" altLang="ko-KR" sz="5400" spc="-300" dirty="0">
+                <a:solidFill>
+                  <a:srgbClr val="4C50BC"/>
+                </a:solidFill>
+                <a:latin typeface="G마켓 산스 Bold" panose="02000000000000000000" pitchFamily="50" charset="-127"/>
+                <a:ea typeface="G마켓 산스 Bold" panose="02000000000000000000" pitchFamily="50" charset="-127"/>
+              </a:rPr>
+              <a:t> </a:t>
+            </a:r>
+            <a:r>
+              <a:rPr lang="en-US" altLang="ko-KR" sz="5400" spc="-300" dirty="0">
+                <a:solidFill>
+                  <a:srgbClr val="FF0000"/>
+                </a:solidFill>
+                <a:latin typeface="G마켓 산스 Bold" panose="02000000000000000000" pitchFamily="50" charset="-127"/>
+                <a:ea typeface="G마켓 산스 Bold" panose="02000000000000000000" pitchFamily="50" charset="-127"/>
+              </a:rPr>
+              <a:t>(hard)</a:t>
+            </a:r>
+          </a:p>
+        </p:txBody>
+      </p:sp>
+      <p:cxnSp>
+        <p:nvCxnSpPr>
+          <p:cNvPr id="8" name="직선 연결선 7">
+            <a:extLst>
+              <a:ext uri="{FF2B5EF4-FFF2-40B4-BE49-F238E27FC236}">
+                <a16:creationId xmlns:a16="http://schemas.microsoft.com/office/drawing/2014/main" id="{BC4B2E23-BBFC-5F3E-7E3E-5119B74CAF8C}"/>
+              </a:ext>
+            </a:extLst>
+          </p:cNvPr>
+          <p:cNvCxnSpPr>
+            <a:cxnSpLocks/>
+          </p:cNvCxnSpPr>
+          <p:nvPr/>
+        </p:nvCxnSpPr>
+        <p:spPr>
+          <a:xfrm flipH="1" flipV="1">
+            <a:off x="-13447" y="972511"/>
+            <a:ext cx="18288000" cy="65119"/>
+          </a:xfrm>
+          <a:prstGeom prst="line">
+            <a:avLst/>
+          </a:prstGeom>
+          <a:ln w="38100">
+            <a:solidFill>
+              <a:srgbClr val="4C50BC"/>
+            </a:solidFill>
+          </a:ln>
+        </p:spPr>
+        <p:style>
+          <a:lnRef idx="1">
+            <a:schemeClr val="accent1"/>
+          </a:lnRef>
+          <a:fillRef idx="0">
+            <a:schemeClr val="accent1"/>
+          </a:fillRef>
+          <a:effectRef idx="0">
+            <a:schemeClr val="accent1"/>
+          </a:effectRef>
+          <a:fontRef idx="minor">
+            <a:schemeClr val="tx1"/>
+          </a:fontRef>
+        </p:style>
+      </p:cxnSp>
     </p:spTree>
     <p:extLst>
       <p:ext uri="{BB962C8B-B14F-4D97-AF65-F5344CB8AC3E}">
@@ -15687,54 +16366,6 @@
           <a:chExt cx="0" cy="0"/>
         </a:xfrm>
       </p:grpSpPr>
-      <p:sp>
-        <p:nvSpPr>
-          <p:cNvPr id="2" name="TextBox 1">
-            <a:extLst>
-              <a:ext uri="{FF2B5EF4-FFF2-40B4-BE49-F238E27FC236}">
-                <a16:creationId xmlns:a16="http://schemas.microsoft.com/office/drawing/2014/main" id="{09BE8972-653C-8683-18AD-0DEBD8A0310C}"/>
-              </a:ext>
-            </a:extLst>
-          </p:cNvPr>
-          <p:cNvSpPr txBox="1"/>
-          <p:nvPr/>
-        </p:nvSpPr>
-        <p:spPr>
-          <a:xfrm>
-            <a:off x="609600" y="38100"/>
-            <a:ext cx="1665841" cy="1015663"/>
-          </a:xfrm>
-          <a:prstGeom prst="rect">
-            <a:avLst/>
-          </a:prstGeom>
-          <a:noFill/>
-        </p:spPr>
-        <p:txBody>
-          <a:bodyPr wrap="none" rtlCol="0">
-            <a:spAutoFit/>
-          </a:bodyPr>
-          <a:lstStyle/>
-          <a:p>
-            <a:r>
-              <a:rPr lang="ko-KR" altLang="en-US" sz="6000" dirty="0">
-                <a:solidFill>
-                  <a:srgbClr val="4C50BB"/>
-                </a:solidFill>
-                <a:latin typeface="G마켓 산스 TTF Bold" panose="02000000000000000000" pitchFamily="2" charset="-127"/>
-                <a:ea typeface="G마켓 산스 TTF Bold" panose="02000000000000000000" pitchFamily="2" charset="-127"/>
-              </a:rPr>
-              <a:t>해설</a:t>
-            </a:r>
-            <a:endParaRPr lang="ko-KR" altLang="en-US" sz="800" dirty="0">
-              <a:solidFill>
-                <a:srgbClr val="4C50BB"/>
-              </a:solidFill>
-              <a:latin typeface="G마켓 산스 TTF Bold" panose="02000000000000000000" pitchFamily="2" charset="-127"/>
-              <a:ea typeface="G마켓 산스 TTF Bold" panose="02000000000000000000" pitchFamily="2" charset="-127"/>
-            </a:endParaRPr>
-          </a:p>
-        </p:txBody>
-      </p:sp>
       <p:pic>
         <p:nvPicPr>
           <p:cNvPr id="4" name="그림 3">
@@ -15782,7 +16413,7 @@
         <p:spPr>
           <a:xfrm>
             <a:off x="3962400" y="2569029"/>
-            <a:ext cx="3962400" cy="59871"/>
+            <a:ext cx="5181600" cy="874205"/>
           </a:xfrm>
           <a:prstGeom prst="straightConnector1">
             <a:avLst/>
@@ -15872,7 +16503,7 @@
         </p:nvSpPr>
         <p:spPr>
           <a:xfrm>
-            <a:off x="8534400" y="952500"/>
+            <a:off x="9238347" y="2165962"/>
             <a:ext cx="9220200" cy="2554545"/>
           </a:xfrm>
           <a:prstGeom prst="rect">
@@ -16134,13 +16765,14 @@
           </p:cNvPr>
           <p:cNvCxnSpPr>
             <a:cxnSpLocks/>
+            <a:endCxn id="7" idx="1"/>
           </p:cNvCxnSpPr>
           <p:nvPr/>
         </p:nvCxnSpPr>
         <p:spPr>
           <a:xfrm flipV="1">
-            <a:off x="3757386" y="3223399"/>
-            <a:ext cx="4700814" cy="1945501"/>
+            <a:off x="3757386" y="3443235"/>
+            <a:ext cx="5480961" cy="1725665"/>
           </a:xfrm>
           <a:prstGeom prst="straightConnector1">
             <a:avLst/>
@@ -16175,13 +16807,14 @@
           </p:cNvPr>
           <p:cNvCxnSpPr>
             <a:cxnSpLocks/>
+            <a:endCxn id="7" idx="1"/>
           </p:cNvCxnSpPr>
           <p:nvPr/>
         </p:nvCxnSpPr>
         <p:spPr>
           <a:xfrm flipV="1">
-            <a:off x="3875314" y="3608953"/>
-            <a:ext cx="5116286" cy="4956041"/>
+            <a:off x="3875314" y="3443235"/>
+            <a:ext cx="5363033" cy="5121759"/>
           </a:xfrm>
           <a:prstGeom prst="straightConnector1">
             <a:avLst/>
@@ -16199,6 +16832,120 @@
           </a:fillRef>
           <a:effectRef idx="0">
             <a:schemeClr val="accent2"/>
+          </a:effectRef>
+          <a:fontRef idx="minor">
+            <a:schemeClr val="tx1"/>
+          </a:fontRef>
+        </p:style>
+      </p:cxnSp>
+      <p:sp>
+        <p:nvSpPr>
+          <p:cNvPr id="3" name="TextBox 2">
+            <a:extLst>
+              <a:ext uri="{FF2B5EF4-FFF2-40B4-BE49-F238E27FC236}">
+                <a16:creationId xmlns:a16="http://schemas.microsoft.com/office/drawing/2014/main" id="{ADA8AA0A-66AE-4FFC-D6F0-630BFA4ED89A}"/>
+              </a:ext>
+            </a:extLst>
+          </p:cNvPr>
+          <p:cNvSpPr txBox="1"/>
+          <p:nvPr/>
+        </p:nvSpPr>
+        <p:spPr>
+          <a:xfrm>
+            <a:off x="304800" y="114300"/>
+            <a:ext cx="10972800" cy="923330"/>
+          </a:xfrm>
+          <a:prstGeom prst="rect">
+            <a:avLst/>
+          </a:prstGeom>
+          <a:noFill/>
+        </p:spPr>
+        <p:txBody>
+          <a:bodyPr wrap="square" rtlCol="0">
+            <a:spAutoFit/>
+          </a:bodyPr>
+          <a:lstStyle/>
+          <a:p>
+            <a:r>
+              <a:rPr lang="en-US" altLang="ko-KR" sz="5400" spc="-300" dirty="0">
+                <a:solidFill>
+                  <a:srgbClr val="4C50BC"/>
+                </a:solidFill>
+                <a:latin typeface="G마켓 산스 Bold" panose="02000000000000000000" pitchFamily="50" charset="-127"/>
+                <a:ea typeface="G마켓 산스 Bold" panose="02000000000000000000" pitchFamily="50" charset="-127"/>
+              </a:rPr>
+              <a:t>1-3 </a:t>
+            </a:r>
+            <a:r>
+              <a:rPr lang="ko-KR" altLang="en-US" sz="5400" spc="-300" dirty="0">
+                <a:solidFill>
+                  <a:srgbClr val="4C50BC"/>
+                </a:solidFill>
+                <a:latin typeface="G마켓 산스 Bold" panose="02000000000000000000" pitchFamily="50" charset="-127"/>
+                <a:ea typeface="G마켓 산스 Bold" panose="02000000000000000000" pitchFamily="50" charset="-127"/>
+              </a:rPr>
+              <a:t>문제풀이</a:t>
+            </a:r>
+            <a:r>
+              <a:rPr lang="en-US" altLang="ko-KR" sz="5400" spc="-300" dirty="0">
+                <a:solidFill>
+                  <a:srgbClr val="4C50BC"/>
+                </a:solidFill>
+                <a:latin typeface="G마켓 산스 Bold" panose="02000000000000000000" pitchFamily="50" charset="-127"/>
+                <a:ea typeface="G마켓 산스 Bold" panose="02000000000000000000" pitchFamily="50" charset="-127"/>
+              </a:rPr>
+              <a:t> </a:t>
+            </a:r>
+            <a:r>
+              <a:rPr lang="en-US" altLang="ko-KR" sz="5400" spc="-300" dirty="0">
+                <a:solidFill>
+                  <a:srgbClr val="FF0000"/>
+                </a:solidFill>
+                <a:latin typeface="G마켓 산스 Bold" panose="02000000000000000000" pitchFamily="50" charset="-127"/>
+                <a:ea typeface="G마켓 산스 Bold" panose="02000000000000000000" pitchFamily="50" charset="-127"/>
+              </a:rPr>
+              <a:t>(hard)</a:t>
+            </a:r>
+          </a:p>
+        </p:txBody>
+      </p:sp>
+      <p:cxnSp>
+        <p:nvCxnSpPr>
+          <p:cNvPr id="10" name="직선 연결선 9">
+            <a:extLst>
+              <a:ext uri="{FF2B5EF4-FFF2-40B4-BE49-F238E27FC236}">
+                <a16:creationId xmlns:a16="http://schemas.microsoft.com/office/drawing/2014/main" id="{7B7A4891-29FB-FD8C-4D15-57CB92C89B64}"/>
+              </a:ext>
+            </a:extLst>
+          </p:cNvPr>
+          <p:cNvCxnSpPr>
+            <a:cxnSpLocks/>
+          </p:cNvCxnSpPr>
+          <p:nvPr/>
+        </p:nvCxnSpPr>
+        <p:spPr>
+          <a:xfrm flipH="1" flipV="1">
+            <a:off x="-13447" y="972511"/>
+            <a:ext cx="18288000" cy="65119"/>
+          </a:xfrm>
+          <a:prstGeom prst="line">
+            <a:avLst/>
+          </a:prstGeom>
+          <a:ln w="38100">
+            <a:solidFill>
+              <a:srgbClr val="4C50BC"/>
+            </a:solidFill>
+          </a:ln>
+        </p:spPr>
+        <p:style>
+          <a:lnRef idx="1">
+            <a:schemeClr val="accent1"/>
+          </a:lnRef>
+          <a:fillRef idx="0">
+            <a:schemeClr val="accent1"/>
+          </a:fillRef>
+          <a:effectRef idx="0">
+            <a:schemeClr val="accent1"/>
           </a:effectRef>
           <a:fontRef idx="minor">
             <a:schemeClr val="tx1"/>
